--- a/03-Ahsan/2021.05.28-03-SDWAN.pptx
+++ b/03-Ahsan/2021.05.28-03-SDWAN.pptx
@@ -12,9 +12,9 @@
   </p:handoutMasterIdLst>
   <p:sldIdLst>
     <p:sldId id="258" r:id="rId5"/>
-    <p:sldId id="392" r:id="rId6"/>
-    <p:sldId id="393" r:id="rId7"/>
-    <p:sldId id="394" r:id="rId8"/>
+    <p:sldId id="393" r:id="rId6"/>
+    <p:sldId id="394" r:id="rId7"/>
+    <p:sldId id="392" r:id="rId8"/>
     <p:sldId id="395" r:id="rId9"/>
     <p:sldId id="260" r:id="rId10"/>
   </p:sldIdLst>
@@ -140,247 +140,6 @@
 <file path=ppt/changesInfos/changesInfo1.xml><?xml version="1.0" encoding="utf-8"?>
 <pc:chgInfo xmlns:a="http://schemas.openxmlformats.org/drawingml/2006/main" xmlns:r="http://schemas.openxmlformats.org/officeDocument/2006/relationships" xmlns:ac="http://schemas.microsoft.com/office/drawing/2013/main/command" xmlns:pc="http://schemas.microsoft.com/office/powerpoint/2013/main/command">
   <pc:docChgLst>
-    <pc:chgData name="Marius Hole" userId="640c7f4a-0705-4bef-a18e-190e1e8ea9fa" providerId="ADAL" clId="{932D2547-66A5-4706-B75D-CC1BC50A0CAC}"/>
-    <pc:docChg chg="undo custSel addSld delSld modSld sldOrd">
-      <pc:chgData name="Marius Hole" userId="640c7f4a-0705-4bef-a18e-190e1e8ea9fa" providerId="ADAL" clId="{932D2547-66A5-4706-B75D-CC1BC50A0CAC}" dt="2021-05-23T09:36:30.448" v="831" actId="20577"/>
-      <pc:docMkLst>
-        <pc:docMk/>
-      </pc:docMkLst>
-      <pc:sldChg chg="del">
-        <pc:chgData name="Marius Hole" userId="640c7f4a-0705-4bef-a18e-190e1e8ea9fa" providerId="ADAL" clId="{932D2547-66A5-4706-B75D-CC1BC50A0CAC}" dt="2021-05-19T11:15:33.534" v="0" actId="47"/>
-        <pc:sldMkLst>
-          <pc:docMk/>
-          <pc:sldMk cId="2366304937" sldId="383"/>
-        </pc:sldMkLst>
-      </pc:sldChg>
-      <pc:sldChg chg="del">
-        <pc:chgData name="Marius Hole" userId="640c7f4a-0705-4bef-a18e-190e1e8ea9fa" providerId="ADAL" clId="{932D2547-66A5-4706-B75D-CC1BC50A0CAC}" dt="2021-05-19T11:15:33.534" v="0" actId="47"/>
-        <pc:sldMkLst>
-          <pc:docMk/>
-          <pc:sldMk cId="1405082422" sldId="384"/>
-        </pc:sldMkLst>
-      </pc:sldChg>
-      <pc:sldChg chg="del">
-        <pc:chgData name="Marius Hole" userId="640c7f4a-0705-4bef-a18e-190e1e8ea9fa" providerId="ADAL" clId="{932D2547-66A5-4706-B75D-CC1BC50A0CAC}" dt="2021-05-19T11:15:33.534" v="0" actId="47"/>
-        <pc:sldMkLst>
-          <pc:docMk/>
-          <pc:sldMk cId="1006631515" sldId="385"/>
-        </pc:sldMkLst>
-      </pc:sldChg>
-      <pc:sldChg chg="del">
-        <pc:chgData name="Marius Hole" userId="640c7f4a-0705-4bef-a18e-190e1e8ea9fa" providerId="ADAL" clId="{932D2547-66A5-4706-B75D-CC1BC50A0CAC}" dt="2021-05-19T11:15:33.534" v="0" actId="47"/>
-        <pc:sldMkLst>
-          <pc:docMk/>
-          <pc:sldMk cId="70511434" sldId="388"/>
-        </pc:sldMkLst>
-      </pc:sldChg>
-      <pc:sldChg chg="del">
-        <pc:chgData name="Marius Hole" userId="640c7f4a-0705-4bef-a18e-190e1e8ea9fa" providerId="ADAL" clId="{932D2547-66A5-4706-B75D-CC1BC50A0CAC}" dt="2021-05-19T11:15:33.534" v="0" actId="47"/>
-        <pc:sldMkLst>
-          <pc:docMk/>
-          <pc:sldMk cId="3900842098" sldId="389"/>
-        </pc:sldMkLst>
-      </pc:sldChg>
-      <pc:sldChg chg="del">
-        <pc:chgData name="Marius Hole" userId="640c7f4a-0705-4bef-a18e-190e1e8ea9fa" providerId="ADAL" clId="{932D2547-66A5-4706-B75D-CC1BC50A0CAC}" dt="2021-05-19T11:15:33.534" v="0" actId="47"/>
-        <pc:sldMkLst>
-          <pc:docMk/>
-          <pc:sldMk cId="4055289116" sldId="390"/>
-        </pc:sldMkLst>
-      </pc:sldChg>
-      <pc:sldChg chg="del">
-        <pc:chgData name="Marius Hole" userId="640c7f4a-0705-4bef-a18e-190e1e8ea9fa" providerId="ADAL" clId="{932D2547-66A5-4706-B75D-CC1BC50A0CAC}" dt="2021-05-19T11:15:33.534" v="0" actId="47"/>
-        <pc:sldMkLst>
-          <pc:docMk/>
-          <pc:sldMk cId="936531885" sldId="391"/>
-        </pc:sldMkLst>
-      </pc:sldChg>
-      <pc:sldChg chg="modSp mod">
-        <pc:chgData name="Marius Hole" userId="640c7f4a-0705-4bef-a18e-190e1e8ea9fa" providerId="ADAL" clId="{932D2547-66A5-4706-B75D-CC1BC50A0CAC}" dt="2021-05-19T11:20:27.125" v="222" actId="20577"/>
-        <pc:sldMkLst>
-          <pc:docMk/>
-          <pc:sldMk cId="393997522" sldId="392"/>
-        </pc:sldMkLst>
-        <pc:spChg chg="mod">
-          <ac:chgData name="Marius Hole" userId="640c7f4a-0705-4bef-a18e-190e1e8ea9fa" providerId="ADAL" clId="{932D2547-66A5-4706-B75D-CC1BC50A0CAC}" dt="2021-05-19T11:20:27.125" v="222" actId="20577"/>
-          <ac:spMkLst>
-            <pc:docMk/>
-            <pc:sldMk cId="393997522" sldId="392"/>
-            <ac:spMk id="2" creationId="{E930D958-96C8-44C0-926C-3021A53D08A3}"/>
-          </ac:spMkLst>
-        </pc:spChg>
-        <pc:spChg chg="mod">
-          <ac:chgData name="Marius Hole" userId="640c7f4a-0705-4bef-a18e-190e1e8ea9fa" providerId="ADAL" clId="{932D2547-66A5-4706-B75D-CC1BC50A0CAC}" dt="2021-05-19T11:18:07.179" v="132" actId="20577"/>
-          <ac:spMkLst>
-            <pc:docMk/>
-            <pc:sldMk cId="393997522" sldId="392"/>
-            <ac:spMk id="3" creationId="{BC48574D-236C-40BA-AB9B-2BFEF0FE443B}"/>
-          </ac:spMkLst>
-        </pc:spChg>
-      </pc:sldChg>
-      <pc:sldChg chg="modSp add mod">
-        <pc:chgData name="Marius Hole" userId="640c7f4a-0705-4bef-a18e-190e1e8ea9fa" providerId="ADAL" clId="{932D2547-66A5-4706-B75D-CC1BC50A0CAC}" dt="2021-05-19T11:20:22.795" v="221" actId="20577"/>
-        <pc:sldMkLst>
-          <pc:docMk/>
-          <pc:sldMk cId="48236777" sldId="393"/>
-        </pc:sldMkLst>
-        <pc:spChg chg="mod">
-          <ac:chgData name="Marius Hole" userId="640c7f4a-0705-4bef-a18e-190e1e8ea9fa" providerId="ADAL" clId="{932D2547-66A5-4706-B75D-CC1BC50A0CAC}" dt="2021-05-19T11:20:22.795" v="221" actId="20577"/>
-          <ac:spMkLst>
-            <pc:docMk/>
-            <pc:sldMk cId="48236777" sldId="393"/>
-            <ac:spMk id="2" creationId="{E930D958-96C8-44C0-926C-3021A53D08A3}"/>
-          </ac:spMkLst>
-        </pc:spChg>
-        <pc:spChg chg="mod">
-          <ac:chgData name="Marius Hole" userId="640c7f4a-0705-4bef-a18e-190e1e8ea9fa" providerId="ADAL" clId="{932D2547-66A5-4706-B75D-CC1BC50A0CAC}" dt="2021-05-19T11:20:03.051" v="217" actId="20577"/>
-          <ac:spMkLst>
-            <pc:docMk/>
-            <pc:sldMk cId="48236777" sldId="393"/>
-            <ac:spMk id="3" creationId="{BC48574D-236C-40BA-AB9B-2BFEF0FE443B}"/>
-          </ac:spMkLst>
-        </pc:spChg>
-      </pc:sldChg>
-      <pc:sldChg chg="add del">
-        <pc:chgData name="Marius Hole" userId="640c7f4a-0705-4bef-a18e-190e1e8ea9fa" providerId="ADAL" clId="{932D2547-66A5-4706-B75D-CC1BC50A0CAC}" dt="2021-05-19T11:17:25.085" v="41" actId="22"/>
-        <pc:sldMkLst>
-          <pc:docMk/>
-          <pc:sldMk cId="576554567" sldId="393"/>
-        </pc:sldMkLst>
-      </pc:sldChg>
-      <pc:sldChg chg="del">
-        <pc:chgData name="Marius Hole" userId="640c7f4a-0705-4bef-a18e-190e1e8ea9fa" providerId="ADAL" clId="{932D2547-66A5-4706-B75D-CC1BC50A0CAC}" dt="2021-05-19T11:15:33.534" v="0" actId="47"/>
-        <pc:sldMkLst>
-          <pc:docMk/>
-          <pc:sldMk cId="677336354" sldId="393"/>
-        </pc:sldMkLst>
-      </pc:sldChg>
-      <pc:sldChg chg="modSp add mod">
-        <pc:chgData name="Marius Hole" userId="640c7f4a-0705-4bef-a18e-190e1e8ea9fa" providerId="ADAL" clId="{932D2547-66A5-4706-B75D-CC1BC50A0CAC}" dt="2021-05-19T12:12:46.943" v="738" actId="20577"/>
-        <pc:sldMkLst>
-          <pc:docMk/>
-          <pc:sldMk cId="3276550421" sldId="394"/>
-        </pc:sldMkLst>
-        <pc:spChg chg="mod">
-          <ac:chgData name="Marius Hole" userId="640c7f4a-0705-4bef-a18e-190e1e8ea9fa" providerId="ADAL" clId="{932D2547-66A5-4706-B75D-CC1BC50A0CAC}" dt="2021-05-19T11:20:39.620" v="225" actId="20577"/>
-          <ac:spMkLst>
-            <pc:docMk/>
-            <pc:sldMk cId="3276550421" sldId="394"/>
-            <ac:spMk id="2" creationId="{E930D958-96C8-44C0-926C-3021A53D08A3}"/>
-          </ac:spMkLst>
-        </pc:spChg>
-        <pc:spChg chg="mod">
-          <ac:chgData name="Marius Hole" userId="640c7f4a-0705-4bef-a18e-190e1e8ea9fa" providerId="ADAL" clId="{932D2547-66A5-4706-B75D-CC1BC50A0CAC}" dt="2021-05-19T12:12:46.943" v="738" actId="20577"/>
-          <ac:spMkLst>
-            <pc:docMk/>
-            <pc:sldMk cId="3276550421" sldId="394"/>
-            <ac:spMk id="3" creationId="{BC48574D-236C-40BA-AB9B-2BFEF0FE443B}"/>
-          </ac:spMkLst>
-        </pc:spChg>
-      </pc:sldChg>
-      <pc:sldChg chg="del">
-        <pc:chgData name="Marius Hole" userId="640c7f4a-0705-4bef-a18e-190e1e8ea9fa" providerId="ADAL" clId="{932D2547-66A5-4706-B75D-CC1BC50A0CAC}" dt="2021-05-19T11:15:33.534" v="0" actId="47"/>
-        <pc:sldMkLst>
-          <pc:docMk/>
-          <pc:sldMk cId="3711034169" sldId="394"/>
-        </pc:sldMkLst>
-      </pc:sldChg>
-      <pc:sldChg chg="del">
-        <pc:chgData name="Marius Hole" userId="640c7f4a-0705-4bef-a18e-190e1e8ea9fa" providerId="ADAL" clId="{932D2547-66A5-4706-B75D-CC1BC50A0CAC}" dt="2021-05-19T11:15:33.534" v="0" actId="47"/>
-        <pc:sldMkLst>
-          <pc:docMk/>
-          <pc:sldMk cId="2309249022" sldId="395"/>
-        </pc:sldMkLst>
-      </pc:sldChg>
-      <pc:sldChg chg="modSp add mod ord">
-        <pc:chgData name="Marius Hole" userId="640c7f4a-0705-4bef-a18e-190e1e8ea9fa" providerId="ADAL" clId="{932D2547-66A5-4706-B75D-CC1BC50A0CAC}" dt="2021-05-23T09:36:30.448" v="831" actId="20577"/>
-        <pc:sldMkLst>
-          <pc:docMk/>
-          <pc:sldMk cId="2636641309" sldId="395"/>
-        </pc:sldMkLst>
-        <pc:spChg chg="mod">
-          <ac:chgData name="Marius Hole" userId="640c7f4a-0705-4bef-a18e-190e1e8ea9fa" providerId="ADAL" clId="{932D2547-66A5-4706-B75D-CC1BC50A0CAC}" dt="2021-05-23T09:36:03.776" v="762" actId="20577"/>
-          <ac:spMkLst>
-            <pc:docMk/>
-            <pc:sldMk cId="2636641309" sldId="395"/>
-            <ac:spMk id="2" creationId="{E930D958-96C8-44C0-926C-3021A53D08A3}"/>
-          </ac:spMkLst>
-        </pc:spChg>
-        <pc:spChg chg="mod">
-          <ac:chgData name="Marius Hole" userId="640c7f4a-0705-4bef-a18e-190e1e8ea9fa" providerId="ADAL" clId="{932D2547-66A5-4706-B75D-CC1BC50A0CAC}" dt="2021-05-23T09:36:30.448" v="831" actId="20577"/>
-          <ac:spMkLst>
-            <pc:docMk/>
-            <pc:sldMk cId="2636641309" sldId="395"/>
-            <ac:spMk id="3" creationId="{BC48574D-236C-40BA-AB9B-2BFEF0FE443B}"/>
-          </ac:spMkLst>
-        </pc:spChg>
-      </pc:sldChg>
-      <pc:sldChg chg="del">
-        <pc:chgData name="Marius Hole" userId="640c7f4a-0705-4bef-a18e-190e1e8ea9fa" providerId="ADAL" clId="{932D2547-66A5-4706-B75D-CC1BC50A0CAC}" dt="2021-05-19T11:15:33.534" v="0" actId="47"/>
-        <pc:sldMkLst>
-          <pc:docMk/>
-          <pc:sldMk cId="2759994191" sldId="396"/>
-        </pc:sldMkLst>
-      </pc:sldChg>
-      <pc:sldChg chg="del">
-        <pc:chgData name="Marius Hole" userId="640c7f4a-0705-4bef-a18e-190e1e8ea9fa" providerId="ADAL" clId="{932D2547-66A5-4706-B75D-CC1BC50A0CAC}" dt="2021-05-19T11:15:33.534" v="0" actId="47"/>
-        <pc:sldMkLst>
-          <pc:docMk/>
-          <pc:sldMk cId="1643380258" sldId="397"/>
-        </pc:sldMkLst>
-      </pc:sldChg>
-      <pc:sldChg chg="del">
-        <pc:chgData name="Marius Hole" userId="640c7f4a-0705-4bef-a18e-190e1e8ea9fa" providerId="ADAL" clId="{932D2547-66A5-4706-B75D-CC1BC50A0CAC}" dt="2021-05-19T11:15:33.534" v="0" actId="47"/>
-        <pc:sldMkLst>
-          <pc:docMk/>
-          <pc:sldMk cId="1694684200" sldId="398"/>
-        </pc:sldMkLst>
-      </pc:sldChg>
-      <pc:sldChg chg="del">
-        <pc:chgData name="Marius Hole" userId="640c7f4a-0705-4bef-a18e-190e1e8ea9fa" providerId="ADAL" clId="{932D2547-66A5-4706-B75D-CC1BC50A0CAC}" dt="2021-05-19T11:15:33.534" v="0" actId="47"/>
-        <pc:sldMkLst>
-          <pc:docMk/>
-          <pc:sldMk cId="2631658248" sldId="399"/>
-        </pc:sldMkLst>
-      </pc:sldChg>
-      <pc:sldChg chg="del">
-        <pc:chgData name="Marius Hole" userId="640c7f4a-0705-4bef-a18e-190e1e8ea9fa" providerId="ADAL" clId="{932D2547-66A5-4706-B75D-CC1BC50A0CAC}" dt="2021-05-19T11:15:33.534" v="0" actId="47"/>
-        <pc:sldMkLst>
-          <pc:docMk/>
-          <pc:sldMk cId="168297172" sldId="406"/>
-        </pc:sldMkLst>
-      </pc:sldChg>
-      <pc:sldChg chg="del">
-        <pc:chgData name="Marius Hole" userId="640c7f4a-0705-4bef-a18e-190e1e8ea9fa" providerId="ADAL" clId="{932D2547-66A5-4706-B75D-CC1BC50A0CAC}" dt="2021-05-19T11:15:33.534" v="0" actId="47"/>
-        <pc:sldMkLst>
-          <pc:docMk/>
-          <pc:sldMk cId="3017142941" sldId="407"/>
-        </pc:sldMkLst>
-      </pc:sldChg>
-      <pc:sldChg chg="del">
-        <pc:chgData name="Marius Hole" userId="640c7f4a-0705-4bef-a18e-190e1e8ea9fa" providerId="ADAL" clId="{932D2547-66A5-4706-B75D-CC1BC50A0CAC}" dt="2021-05-19T11:15:33.534" v="0" actId="47"/>
-        <pc:sldMkLst>
-          <pc:docMk/>
-          <pc:sldMk cId="3392729381" sldId="408"/>
-        </pc:sldMkLst>
-      </pc:sldChg>
-      <pc:sldChg chg="del">
-        <pc:chgData name="Marius Hole" userId="640c7f4a-0705-4bef-a18e-190e1e8ea9fa" providerId="ADAL" clId="{932D2547-66A5-4706-B75D-CC1BC50A0CAC}" dt="2021-05-19T11:15:33.534" v="0" actId="47"/>
-        <pc:sldMkLst>
-          <pc:docMk/>
-          <pc:sldMk cId="2803065246" sldId="409"/>
-        </pc:sldMkLst>
-      </pc:sldChg>
-      <pc:sldChg chg="del">
-        <pc:chgData name="Marius Hole" userId="640c7f4a-0705-4bef-a18e-190e1e8ea9fa" providerId="ADAL" clId="{932D2547-66A5-4706-B75D-CC1BC50A0CAC}" dt="2021-05-19T11:15:33.534" v="0" actId="47"/>
-        <pc:sldMkLst>
-          <pc:docMk/>
-          <pc:sldMk cId="1954709923" sldId="410"/>
-        </pc:sldMkLst>
-      </pc:sldChg>
-    </pc:docChg>
-  </pc:docChgLst>
-  <pc:docChgLst>
     <pc:chgData name="Marius Hole" userId="640c7f4a-0705-4bef-a18e-190e1e8ea9fa" providerId="ADAL" clId="{6A6EB6A4-9C64-4BF2-B208-72403B1BB7F7}"/>
     <pc:docChg chg="undo custSel addSld delSld modSld sldOrd">
       <pc:chgData name="Marius Hole" userId="640c7f4a-0705-4bef-a18e-190e1e8ea9fa" providerId="ADAL" clId="{6A6EB6A4-9C64-4BF2-B208-72403B1BB7F7}" dt="2019-11-06T08:52:56.346" v="3197" actId="20577"/>
@@ -797,6 +556,521 @@
         <pc:sldMkLst>
           <pc:docMk/>
           <pc:sldMk cId="1412999345" sldId="408"/>
+        </pc:sldMkLst>
+      </pc:sldChg>
+    </pc:docChg>
+  </pc:docChgLst>
+  <pc:docChgLst>
+    <pc:chgData name="Marius Hole" userId="640c7f4a-0705-4bef-a18e-190e1e8ea9fa" providerId="ADAL" clId="{03CCA8CE-B5A5-46F6-A122-F34E93E457F2}"/>
+    <pc:docChg chg="undo custSel addSld delSld modSld sldOrd">
+      <pc:chgData name="Marius Hole" userId="640c7f4a-0705-4bef-a18e-190e1e8ea9fa" providerId="ADAL" clId="{03CCA8CE-B5A5-46F6-A122-F34E93E457F2}" dt="2021-05-19T11:14:14.144" v="18" actId="47"/>
+      <pc:docMkLst>
+        <pc:docMk/>
+      </pc:docMkLst>
+      <pc:sldChg chg="add del">
+        <pc:chgData name="Marius Hole" userId="640c7f4a-0705-4bef-a18e-190e1e8ea9fa" providerId="ADAL" clId="{03CCA8CE-B5A5-46F6-A122-F34E93E457F2}" dt="2021-05-19T11:04:23.068" v="15" actId="47"/>
+        <pc:sldMkLst>
+          <pc:docMk/>
+          <pc:sldMk cId="2929233815" sldId="376"/>
+        </pc:sldMkLst>
+      </pc:sldChg>
+      <pc:sldChg chg="del">
+        <pc:chgData name="Marius Hole" userId="640c7f4a-0705-4bef-a18e-190e1e8ea9fa" providerId="ADAL" clId="{03CCA8CE-B5A5-46F6-A122-F34E93E457F2}" dt="2021-05-19T11:03:07.199" v="0" actId="47"/>
+        <pc:sldMkLst>
+          <pc:docMk/>
+          <pc:sldMk cId="4019874596" sldId="382"/>
+        </pc:sldMkLst>
+      </pc:sldChg>
+      <pc:sldChg chg="add del">
+        <pc:chgData name="Marius Hole" userId="640c7f4a-0705-4bef-a18e-190e1e8ea9fa" providerId="ADAL" clId="{03CCA8CE-B5A5-46F6-A122-F34E93E457F2}" dt="2021-05-19T11:04:14.672" v="8" actId="47"/>
+        <pc:sldMkLst>
+          <pc:docMk/>
+          <pc:sldMk cId="2366304937" sldId="383"/>
+        </pc:sldMkLst>
+      </pc:sldChg>
+      <pc:sldChg chg="del">
+        <pc:chgData name="Marius Hole" userId="640c7f4a-0705-4bef-a18e-190e1e8ea9fa" providerId="ADAL" clId="{03CCA8CE-B5A5-46F6-A122-F34E93E457F2}" dt="2021-05-19T11:14:14.144" v="18" actId="47"/>
+        <pc:sldMkLst>
+          <pc:docMk/>
+          <pc:sldMk cId="695896064" sldId="386"/>
+        </pc:sldMkLst>
+      </pc:sldChg>
+      <pc:sldChg chg="del">
+        <pc:chgData name="Marius Hole" userId="640c7f4a-0705-4bef-a18e-190e1e8ea9fa" providerId="ADAL" clId="{03CCA8CE-B5A5-46F6-A122-F34E93E457F2}" dt="2021-05-19T11:14:14.144" v="18" actId="47"/>
+        <pc:sldMkLst>
+          <pc:docMk/>
+          <pc:sldMk cId="1176789328" sldId="387"/>
+        </pc:sldMkLst>
+      </pc:sldChg>
+      <pc:sldChg chg="ord">
+        <pc:chgData name="Marius Hole" userId="640c7f4a-0705-4bef-a18e-190e1e8ea9fa" providerId="ADAL" clId="{03CCA8CE-B5A5-46F6-A122-F34E93E457F2}" dt="2021-05-19T11:04:30.277" v="17"/>
+        <pc:sldMkLst>
+          <pc:docMk/>
+          <pc:sldMk cId="393997522" sldId="392"/>
+        </pc:sldMkLst>
+      </pc:sldChg>
+      <pc:sldChg chg="add del">
+        <pc:chgData name="Marius Hole" userId="640c7f4a-0705-4bef-a18e-190e1e8ea9fa" providerId="ADAL" clId="{03CCA8CE-B5A5-46F6-A122-F34E93E457F2}" dt="2021-05-19T11:04:16.646" v="13" actId="47"/>
+        <pc:sldMkLst>
+          <pc:docMk/>
+          <pc:sldMk cId="2631658248" sldId="399"/>
+        </pc:sldMkLst>
+      </pc:sldChg>
+      <pc:sldChg chg="del">
+        <pc:chgData name="Marius Hole" userId="640c7f4a-0705-4bef-a18e-190e1e8ea9fa" providerId="ADAL" clId="{03CCA8CE-B5A5-46F6-A122-F34E93E457F2}" dt="2021-05-19T11:14:14.144" v="18" actId="47"/>
+        <pc:sldMkLst>
+          <pc:docMk/>
+          <pc:sldMk cId="2385774935" sldId="400"/>
+        </pc:sldMkLst>
+      </pc:sldChg>
+      <pc:sldChg chg="del">
+        <pc:chgData name="Marius Hole" userId="640c7f4a-0705-4bef-a18e-190e1e8ea9fa" providerId="ADAL" clId="{03CCA8CE-B5A5-46F6-A122-F34E93E457F2}" dt="2021-05-19T11:14:14.144" v="18" actId="47"/>
+        <pc:sldMkLst>
+          <pc:docMk/>
+          <pc:sldMk cId="3241488928" sldId="401"/>
+        </pc:sldMkLst>
+      </pc:sldChg>
+      <pc:sldChg chg="del">
+        <pc:chgData name="Marius Hole" userId="640c7f4a-0705-4bef-a18e-190e1e8ea9fa" providerId="ADAL" clId="{03CCA8CE-B5A5-46F6-A122-F34E93E457F2}" dt="2021-05-19T11:14:14.144" v="18" actId="47"/>
+        <pc:sldMkLst>
+          <pc:docMk/>
+          <pc:sldMk cId="2537510054" sldId="402"/>
+        </pc:sldMkLst>
+      </pc:sldChg>
+      <pc:sldChg chg="del">
+        <pc:chgData name="Marius Hole" userId="640c7f4a-0705-4bef-a18e-190e1e8ea9fa" providerId="ADAL" clId="{03CCA8CE-B5A5-46F6-A122-F34E93E457F2}" dt="2021-05-19T11:14:14.144" v="18" actId="47"/>
+        <pc:sldMkLst>
+          <pc:docMk/>
+          <pc:sldMk cId="4125824841" sldId="403"/>
+        </pc:sldMkLst>
+      </pc:sldChg>
+      <pc:sldChg chg="del">
+        <pc:chgData name="Marius Hole" userId="640c7f4a-0705-4bef-a18e-190e1e8ea9fa" providerId="ADAL" clId="{03CCA8CE-B5A5-46F6-A122-F34E93E457F2}" dt="2021-05-19T11:14:14.144" v="18" actId="47"/>
+        <pc:sldMkLst>
+          <pc:docMk/>
+          <pc:sldMk cId="427585213" sldId="404"/>
+        </pc:sldMkLst>
+      </pc:sldChg>
+      <pc:sldChg chg="del">
+        <pc:chgData name="Marius Hole" userId="640c7f4a-0705-4bef-a18e-190e1e8ea9fa" providerId="ADAL" clId="{03CCA8CE-B5A5-46F6-A122-F34E93E457F2}" dt="2021-05-19T11:14:14.144" v="18" actId="47"/>
+        <pc:sldMkLst>
+          <pc:docMk/>
+          <pc:sldMk cId="2060808739" sldId="405"/>
+        </pc:sldMkLst>
+      </pc:sldChg>
+      <pc:sldChg chg="add del">
+        <pc:chgData name="Marius Hole" userId="640c7f4a-0705-4bef-a18e-190e1e8ea9fa" providerId="ADAL" clId="{03CCA8CE-B5A5-46F6-A122-F34E93E457F2}" dt="2021-05-19T11:04:16.063" v="12" actId="47"/>
+        <pc:sldMkLst>
+          <pc:docMk/>
+          <pc:sldMk cId="168297172" sldId="406"/>
+        </pc:sldMkLst>
+      </pc:sldChg>
+      <pc:sldChg chg="add del">
+        <pc:chgData name="Marius Hole" userId="640c7f4a-0705-4bef-a18e-190e1e8ea9fa" providerId="ADAL" clId="{03CCA8CE-B5A5-46F6-A122-F34E93E457F2}" dt="2021-05-19T11:04:15.414" v="11" actId="47"/>
+        <pc:sldMkLst>
+          <pc:docMk/>
+          <pc:sldMk cId="3017142941" sldId="407"/>
+        </pc:sldMkLst>
+      </pc:sldChg>
+      <pc:sldChg chg="add del">
+        <pc:chgData name="Marius Hole" userId="640c7f4a-0705-4bef-a18e-190e1e8ea9fa" providerId="ADAL" clId="{03CCA8CE-B5A5-46F6-A122-F34E93E457F2}" dt="2021-05-19T11:04:15.237" v="10" actId="47"/>
+        <pc:sldMkLst>
+          <pc:docMk/>
+          <pc:sldMk cId="3392729381" sldId="408"/>
+        </pc:sldMkLst>
+      </pc:sldChg>
+      <pc:sldChg chg="add del">
+        <pc:chgData name="Marius Hole" userId="640c7f4a-0705-4bef-a18e-190e1e8ea9fa" providerId="ADAL" clId="{03CCA8CE-B5A5-46F6-A122-F34E93E457F2}" dt="2021-05-19T11:04:15.069" v="9" actId="47"/>
+        <pc:sldMkLst>
+          <pc:docMk/>
+          <pc:sldMk cId="2803065246" sldId="409"/>
+        </pc:sldMkLst>
+      </pc:sldChg>
+    </pc:docChg>
+  </pc:docChgLst>
+  <pc:docChgLst>
+    <pc:chgData name="Marius Hole" userId="640c7f4a-0705-4bef-a18e-190e1e8ea9fa" providerId="ADAL" clId="{334E00DB-73A3-4C66-B5F9-E1F69874C6AB}"/>
+    <pc:docChg chg="undo custSel addSld delSld modSld sldOrd">
+      <pc:chgData name="Marius Hole" userId="640c7f4a-0705-4bef-a18e-190e1e8ea9fa" providerId="ADAL" clId="{334E00DB-73A3-4C66-B5F9-E1F69874C6AB}" dt="2021-01-06T19:22:24.836" v="1149"/>
+      <pc:docMkLst>
+        <pc:docMk/>
+      </pc:docMkLst>
+      <pc:sldChg chg="modSp mod">
+        <pc:chgData name="Marius Hole" userId="640c7f4a-0705-4bef-a18e-190e1e8ea9fa" providerId="ADAL" clId="{334E00DB-73A3-4C66-B5F9-E1F69874C6AB}" dt="2021-01-06T19:22:24.836" v="1149"/>
+        <pc:sldMkLst>
+          <pc:docMk/>
+          <pc:sldMk cId="2929233815" sldId="376"/>
+        </pc:sldMkLst>
+        <pc:spChg chg="mod">
+          <ac:chgData name="Marius Hole" userId="640c7f4a-0705-4bef-a18e-190e1e8ea9fa" providerId="ADAL" clId="{334E00DB-73A3-4C66-B5F9-E1F69874C6AB}" dt="2021-01-06T18:48:47.536" v="211" actId="20577"/>
+          <ac:spMkLst>
+            <pc:docMk/>
+            <pc:sldMk cId="2929233815" sldId="376"/>
+            <ac:spMk id="2" creationId="{E930D958-96C8-44C0-926C-3021A53D08A3}"/>
+          </ac:spMkLst>
+        </pc:spChg>
+        <pc:spChg chg="mod">
+          <ac:chgData name="Marius Hole" userId="640c7f4a-0705-4bef-a18e-190e1e8ea9fa" providerId="ADAL" clId="{334E00DB-73A3-4C66-B5F9-E1F69874C6AB}" dt="2021-01-06T19:22:24.836" v="1149"/>
+          <ac:spMkLst>
+            <pc:docMk/>
+            <pc:sldMk cId="2929233815" sldId="376"/>
+            <ac:spMk id="3" creationId="{BC48574D-236C-40BA-AB9B-2BFEF0FE443B}"/>
+          </ac:spMkLst>
+        </pc:spChg>
+      </pc:sldChg>
+      <pc:sldChg chg="del">
+        <pc:chgData name="Marius Hole" userId="640c7f4a-0705-4bef-a18e-190e1e8ea9fa" providerId="ADAL" clId="{334E00DB-73A3-4C66-B5F9-E1F69874C6AB}" dt="2021-01-06T18:13:30.060" v="0" actId="47"/>
+        <pc:sldMkLst>
+          <pc:docMk/>
+          <pc:sldMk cId="249590354" sldId="377"/>
+        </pc:sldMkLst>
+      </pc:sldChg>
+      <pc:sldChg chg="modSp add mod ord">
+        <pc:chgData name="Marius Hole" userId="640c7f4a-0705-4bef-a18e-190e1e8ea9fa" providerId="ADAL" clId="{334E00DB-73A3-4C66-B5F9-E1F69874C6AB}" dt="2021-01-06T19:22:04.484" v="1142"/>
+        <pc:sldMkLst>
+          <pc:docMk/>
+          <pc:sldMk cId="754110363" sldId="377"/>
+        </pc:sldMkLst>
+        <pc:spChg chg="mod">
+          <ac:chgData name="Marius Hole" userId="640c7f4a-0705-4bef-a18e-190e1e8ea9fa" providerId="ADAL" clId="{334E00DB-73A3-4C66-B5F9-E1F69874C6AB}" dt="2021-01-06T18:50:36.101" v="232"/>
+          <ac:spMkLst>
+            <pc:docMk/>
+            <pc:sldMk cId="754110363" sldId="377"/>
+            <ac:spMk id="2" creationId="{E930D958-96C8-44C0-926C-3021A53D08A3}"/>
+          </ac:spMkLst>
+        </pc:spChg>
+      </pc:sldChg>
+      <pc:sldChg chg="addSp delSp modSp add mod">
+        <pc:chgData name="Marius Hole" userId="640c7f4a-0705-4bef-a18e-190e1e8ea9fa" providerId="ADAL" clId="{334E00DB-73A3-4C66-B5F9-E1F69874C6AB}" dt="2021-01-06T19:00:34.833" v="350" actId="1036"/>
+        <pc:sldMkLst>
+          <pc:docMk/>
+          <pc:sldMk cId="2558665023" sldId="378"/>
+        </pc:sldMkLst>
+        <pc:spChg chg="mod">
+          <ac:chgData name="Marius Hole" userId="640c7f4a-0705-4bef-a18e-190e1e8ea9fa" providerId="ADAL" clId="{334E00DB-73A3-4C66-B5F9-E1F69874C6AB}" dt="2021-01-06T18:48:55.204" v="214" actId="20577"/>
+          <ac:spMkLst>
+            <pc:docMk/>
+            <pc:sldMk cId="2558665023" sldId="378"/>
+            <ac:spMk id="2" creationId="{E930D958-96C8-44C0-926C-3021A53D08A3}"/>
+          </ac:spMkLst>
+        </pc:spChg>
+        <pc:spChg chg="mod">
+          <ac:chgData name="Marius Hole" userId="640c7f4a-0705-4bef-a18e-190e1e8ea9fa" providerId="ADAL" clId="{334E00DB-73A3-4C66-B5F9-E1F69874C6AB}" dt="2021-01-06T18:59:52.352" v="280" actId="20577"/>
+          <ac:spMkLst>
+            <pc:docMk/>
+            <pc:sldMk cId="2558665023" sldId="378"/>
+            <ac:spMk id="3" creationId="{BC48574D-236C-40BA-AB9B-2BFEF0FE443B}"/>
+          </ac:spMkLst>
+        </pc:spChg>
+        <pc:spChg chg="add del mod">
+          <ac:chgData name="Marius Hole" userId="640c7f4a-0705-4bef-a18e-190e1e8ea9fa" providerId="ADAL" clId="{334E00DB-73A3-4C66-B5F9-E1F69874C6AB}" dt="2021-01-06T18:59:31.486" v="269" actId="22"/>
+          <ac:spMkLst>
+            <pc:docMk/>
+            <pc:sldMk cId="2558665023" sldId="378"/>
+            <ac:spMk id="8" creationId="{FF602243-485B-415E-8B47-989ADD856CC2}"/>
+          </ac:spMkLst>
+        </pc:spChg>
+        <pc:picChg chg="add del mod">
+          <ac:chgData name="Marius Hole" userId="640c7f4a-0705-4bef-a18e-190e1e8ea9fa" providerId="ADAL" clId="{334E00DB-73A3-4C66-B5F9-E1F69874C6AB}" dt="2021-01-06T19:00:11.431" v="287" actId="478"/>
+          <ac:picMkLst>
+            <pc:docMk/>
+            <pc:sldMk cId="2558665023" sldId="378"/>
+            <ac:picMk id="6" creationId="{CA302BB0-FECB-4683-8733-EA42B772CFB0}"/>
+          </ac:picMkLst>
+        </pc:picChg>
+        <pc:picChg chg="add mod">
+          <ac:chgData name="Marius Hole" userId="640c7f4a-0705-4bef-a18e-190e1e8ea9fa" providerId="ADAL" clId="{334E00DB-73A3-4C66-B5F9-E1F69874C6AB}" dt="2021-01-06T19:00:34.833" v="350" actId="1036"/>
+          <ac:picMkLst>
+            <pc:docMk/>
+            <pc:sldMk cId="2558665023" sldId="378"/>
+            <ac:picMk id="10" creationId="{A91E30D1-BE5F-4929-99B6-C302280630DD}"/>
+          </ac:picMkLst>
+        </pc:picChg>
+      </pc:sldChg>
+      <pc:sldChg chg="del">
+        <pc:chgData name="Marius Hole" userId="640c7f4a-0705-4bef-a18e-190e1e8ea9fa" providerId="ADAL" clId="{334E00DB-73A3-4C66-B5F9-E1F69874C6AB}" dt="2021-01-06T18:13:30.060" v="0" actId="47"/>
+        <pc:sldMkLst>
+          <pc:docMk/>
+          <pc:sldMk cId="3632717848" sldId="378"/>
+        </pc:sldMkLst>
+      </pc:sldChg>
+      <pc:sldChg chg="del">
+        <pc:chgData name="Marius Hole" userId="640c7f4a-0705-4bef-a18e-190e1e8ea9fa" providerId="ADAL" clId="{334E00DB-73A3-4C66-B5F9-E1F69874C6AB}" dt="2021-01-06T18:13:30.060" v="0" actId="47"/>
+        <pc:sldMkLst>
+          <pc:docMk/>
+          <pc:sldMk cId="543533042" sldId="379"/>
+        </pc:sldMkLst>
+      </pc:sldChg>
+      <pc:sldChg chg="modSp add mod">
+        <pc:chgData name="Marius Hole" userId="640c7f4a-0705-4bef-a18e-190e1e8ea9fa" providerId="ADAL" clId="{334E00DB-73A3-4C66-B5F9-E1F69874C6AB}" dt="2021-01-06T19:06:37.734" v="375" actId="20577"/>
+        <pc:sldMkLst>
+          <pc:docMk/>
+          <pc:sldMk cId="3915907644" sldId="379"/>
+        </pc:sldMkLst>
+        <pc:spChg chg="mod">
+          <ac:chgData name="Marius Hole" userId="640c7f4a-0705-4bef-a18e-190e1e8ea9fa" providerId="ADAL" clId="{334E00DB-73A3-4C66-B5F9-E1F69874C6AB}" dt="2021-01-06T19:04:33.012" v="355" actId="20577"/>
+          <ac:spMkLst>
+            <pc:docMk/>
+            <pc:sldMk cId="3915907644" sldId="379"/>
+            <ac:spMk id="2" creationId="{E930D958-96C8-44C0-926C-3021A53D08A3}"/>
+          </ac:spMkLst>
+        </pc:spChg>
+        <pc:spChg chg="mod">
+          <ac:chgData name="Marius Hole" userId="640c7f4a-0705-4bef-a18e-190e1e8ea9fa" providerId="ADAL" clId="{334E00DB-73A3-4C66-B5F9-E1F69874C6AB}" dt="2021-01-06T19:06:37.734" v="375" actId="20577"/>
+          <ac:spMkLst>
+            <pc:docMk/>
+            <pc:sldMk cId="3915907644" sldId="379"/>
+            <ac:spMk id="3" creationId="{BC48574D-236C-40BA-AB9B-2BFEF0FE443B}"/>
+          </ac:spMkLst>
+        </pc:spChg>
+      </pc:sldChg>
+      <pc:sldChg chg="addSp delSp modSp add mod">
+        <pc:chgData name="Marius Hole" userId="640c7f4a-0705-4bef-a18e-190e1e8ea9fa" providerId="ADAL" clId="{334E00DB-73A3-4C66-B5F9-E1F69874C6AB}" dt="2021-01-06T19:09:10.578" v="446" actId="732"/>
+        <pc:sldMkLst>
+          <pc:docMk/>
+          <pc:sldMk cId="2276069888" sldId="380"/>
+        </pc:sldMkLst>
+        <pc:spChg chg="mod">
+          <ac:chgData name="Marius Hole" userId="640c7f4a-0705-4bef-a18e-190e1e8ea9fa" providerId="ADAL" clId="{334E00DB-73A3-4C66-B5F9-E1F69874C6AB}" dt="2021-01-06T18:49:21.703" v="221"/>
+          <ac:spMkLst>
+            <pc:docMk/>
+            <pc:sldMk cId="2276069888" sldId="380"/>
+            <ac:spMk id="2" creationId="{E930D958-96C8-44C0-926C-3021A53D08A3}"/>
+          </ac:spMkLst>
+        </pc:spChg>
+        <pc:spChg chg="del mod">
+          <ac:chgData name="Marius Hole" userId="640c7f4a-0705-4bef-a18e-190e1e8ea9fa" providerId="ADAL" clId="{334E00DB-73A3-4C66-B5F9-E1F69874C6AB}" dt="2021-01-06T19:08:10.477" v="377" actId="22"/>
+          <ac:spMkLst>
+            <pc:docMk/>
+            <pc:sldMk cId="2276069888" sldId="380"/>
+            <ac:spMk id="3" creationId="{BC48574D-236C-40BA-AB9B-2BFEF0FE443B}"/>
+          </ac:spMkLst>
+        </pc:spChg>
+        <pc:spChg chg="add mod">
+          <ac:chgData name="Marius Hole" userId="640c7f4a-0705-4bef-a18e-190e1e8ea9fa" providerId="ADAL" clId="{334E00DB-73A3-4C66-B5F9-E1F69874C6AB}" dt="2021-01-06T19:08:51.211" v="378" actId="478"/>
+          <ac:spMkLst>
+            <pc:docMk/>
+            <pc:sldMk cId="2276069888" sldId="380"/>
+            <ac:spMk id="8" creationId="{CDFA02B8-7FC7-472D-8813-C40EA113DBDE}"/>
+          </ac:spMkLst>
+        </pc:spChg>
+        <pc:picChg chg="add del mod ord">
+          <ac:chgData name="Marius Hole" userId="640c7f4a-0705-4bef-a18e-190e1e8ea9fa" providerId="ADAL" clId="{334E00DB-73A3-4C66-B5F9-E1F69874C6AB}" dt="2021-01-06T19:08:51.211" v="378" actId="478"/>
+          <ac:picMkLst>
+            <pc:docMk/>
+            <pc:sldMk cId="2276069888" sldId="380"/>
+            <ac:picMk id="6" creationId="{416602B4-B5F3-49E6-A769-CD3E9C5E60DE}"/>
+          </ac:picMkLst>
+        </pc:picChg>
+        <pc:picChg chg="add mod modCrop">
+          <ac:chgData name="Marius Hole" userId="640c7f4a-0705-4bef-a18e-190e1e8ea9fa" providerId="ADAL" clId="{334E00DB-73A3-4C66-B5F9-E1F69874C6AB}" dt="2021-01-06T19:09:10.578" v="446" actId="732"/>
+          <ac:picMkLst>
+            <pc:docMk/>
+            <pc:sldMk cId="2276069888" sldId="380"/>
+            <ac:picMk id="10" creationId="{38A9B8CA-EFDF-44A1-A783-A735843C83A2}"/>
+          </ac:picMkLst>
+        </pc:picChg>
+      </pc:sldChg>
+      <pc:sldChg chg="del">
+        <pc:chgData name="Marius Hole" userId="640c7f4a-0705-4bef-a18e-190e1e8ea9fa" providerId="ADAL" clId="{334E00DB-73A3-4C66-B5F9-E1F69874C6AB}" dt="2021-01-06T18:13:30.060" v="0" actId="47"/>
+        <pc:sldMkLst>
+          <pc:docMk/>
+          <pc:sldMk cId="2812440683" sldId="380"/>
+        </pc:sldMkLst>
+      </pc:sldChg>
+      <pc:sldChg chg="del">
+        <pc:chgData name="Marius Hole" userId="640c7f4a-0705-4bef-a18e-190e1e8ea9fa" providerId="ADAL" clId="{334E00DB-73A3-4C66-B5F9-E1F69874C6AB}" dt="2021-01-06T18:13:30.060" v="0" actId="47"/>
+        <pc:sldMkLst>
+          <pc:docMk/>
+          <pc:sldMk cId="2184951065" sldId="381"/>
+        </pc:sldMkLst>
+      </pc:sldChg>
+      <pc:sldChg chg="modSp add mod">
+        <pc:chgData name="Marius Hole" userId="640c7f4a-0705-4bef-a18e-190e1e8ea9fa" providerId="ADAL" clId="{334E00DB-73A3-4C66-B5F9-E1F69874C6AB}" dt="2021-01-06T19:21:16.533" v="1136" actId="255"/>
+        <pc:sldMkLst>
+          <pc:docMk/>
+          <pc:sldMk cId="3936969087" sldId="381"/>
+        </pc:sldMkLst>
+        <pc:spChg chg="mod">
+          <ac:chgData name="Marius Hole" userId="640c7f4a-0705-4bef-a18e-190e1e8ea9fa" providerId="ADAL" clId="{334E00DB-73A3-4C66-B5F9-E1F69874C6AB}" dt="2021-01-06T18:49:44.268" v="223"/>
+          <ac:spMkLst>
+            <pc:docMk/>
+            <pc:sldMk cId="3936969087" sldId="381"/>
+            <ac:spMk id="2" creationId="{E930D958-96C8-44C0-926C-3021A53D08A3}"/>
+          </ac:spMkLst>
+        </pc:spChg>
+        <pc:spChg chg="mod">
+          <ac:chgData name="Marius Hole" userId="640c7f4a-0705-4bef-a18e-190e1e8ea9fa" providerId="ADAL" clId="{334E00DB-73A3-4C66-B5F9-E1F69874C6AB}" dt="2021-01-06T19:21:16.533" v="1136" actId="255"/>
+          <ac:spMkLst>
+            <pc:docMk/>
+            <pc:sldMk cId="3936969087" sldId="381"/>
+            <ac:spMk id="3" creationId="{BC48574D-236C-40BA-AB9B-2BFEF0FE443B}"/>
+          </ac:spMkLst>
+        </pc:spChg>
+      </pc:sldChg>
+      <pc:sldChg chg="del">
+        <pc:chgData name="Marius Hole" userId="640c7f4a-0705-4bef-a18e-190e1e8ea9fa" providerId="ADAL" clId="{334E00DB-73A3-4C66-B5F9-E1F69874C6AB}" dt="2021-01-06T18:13:30.060" v="0" actId="47"/>
+        <pc:sldMkLst>
+          <pc:docMk/>
+          <pc:sldMk cId="1822421915" sldId="382"/>
+        </pc:sldMkLst>
+      </pc:sldChg>
+      <pc:sldChg chg="addSp modSp add mod">
+        <pc:chgData name="Marius Hole" userId="640c7f4a-0705-4bef-a18e-190e1e8ea9fa" providerId="ADAL" clId="{334E00DB-73A3-4C66-B5F9-E1F69874C6AB}" dt="2021-01-06T19:12:03.869" v="591" actId="22"/>
+        <pc:sldMkLst>
+          <pc:docMk/>
+          <pc:sldMk cId="3962111285" sldId="382"/>
+        </pc:sldMkLst>
+        <pc:spChg chg="mod">
+          <ac:chgData name="Marius Hole" userId="640c7f4a-0705-4bef-a18e-190e1e8ea9fa" providerId="ADAL" clId="{334E00DB-73A3-4C66-B5F9-E1F69874C6AB}" dt="2021-01-06T18:49:56.657" v="225"/>
+          <ac:spMkLst>
+            <pc:docMk/>
+            <pc:sldMk cId="3962111285" sldId="382"/>
+            <ac:spMk id="2" creationId="{E930D958-96C8-44C0-926C-3021A53D08A3}"/>
+          </ac:spMkLst>
+        </pc:spChg>
+        <pc:spChg chg="mod">
+          <ac:chgData name="Marius Hole" userId="640c7f4a-0705-4bef-a18e-190e1e8ea9fa" providerId="ADAL" clId="{334E00DB-73A3-4C66-B5F9-E1F69874C6AB}" dt="2021-01-06T18:54:01.143" v="236" actId="20577"/>
+          <ac:spMkLst>
+            <pc:docMk/>
+            <pc:sldMk cId="3962111285" sldId="382"/>
+            <ac:spMk id="3" creationId="{BC48574D-236C-40BA-AB9B-2BFEF0FE443B}"/>
+          </ac:spMkLst>
+        </pc:spChg>
+        <pc:picChg chg="add">
+          <ac:chgData name="Marius Hole" userId="640c7f4a-0705-4bef-a18e-190e1e8ea9fa" providerId="ADAL" clId="{334E00DB-73A3-4C66-B5F9-E1F69874C6AB}" dt="2021-01-06T19:12:03.869" v="591" actId="22"/>
+          <ac:picMkLst>
+            <pc:docMk/>
+            <pc:sldMk cId="3962111285" sldId="382"/>
+            <ac:picMk id="6" creationId="{D29C994D-05DB-4EF4-BA77-6C4452F92C87}"/>
+          </ac:picMkLst>
+        </pc:picChg>
+      </pc:sldChg>
+      <pc:sldChg chg="del">
+        <pc:chgData name="Marius Hole" userId="640c7f4a-0705-4bef-a18e-190e1e8ea9fa" providerId="ADAL" clId="{334E00DB-73A3-4C66-B5F9-E1F69874C6AB}" dt="2021-01-06T18:13:30.060" v="0" actId="47"/>
+        <pc:sldMkLst>
+          <pc:docMk/>
+          <pc:sldMk cId="2459803469" sldId="383"/>
+        </pc:sldMkLst>
+      </pc:sldChg>
+      <pc:sldChg chg="modSp add mod ord">
+        <pc:chgData name="Marius Hole" userId="640c7f4a-0705-4bef-a18e-190e1e8ea9fa" providerId="ADAL" clId="{334E00DB-73A3-4C66-B5F9-E1F69874C6AB}" dt="2021-01-06T19:21:56.194" v="1138"/>
+        <pc:sldMkLst>
+          <pc:docMk/>
+          <pc:sldMk cId="2497512606" sldId="383"/>
+        </pc:sldMkLst>
+        <pc:spChg chg="mod">
+          <ac:chgData name="Marius Hole" userId="640c7f4a-0705-4bef-a18e-190e1e8ea9fa" providerId="ADAL" clId="{334E00DB-73A3-4C66-B5F9-E1F69874C6AB}" dt="2021-01-06T18:50:06.622" v="227"/>
+          <ac:spMkLst>
+            <pc:docMk/>
+            <pc:sldMk cId="2497512606" sldId="383"/>
+            <ac:spMk id="2" creationId="{E930D958-96C8-44C0-926C-3021A53D08A3}"/>
+          </ac:spMkLst>
+        </pc:spChg>
+        <pc:spChg chg="mod">
+          <ac:chgData name="Marius Hole" userId="640c7f4a-0705-4bef-a18e-190e1e8ea9fa" providerId="ADAL" clId="{334E00DB-73A3-4C66-B5F9-E1F69874C6AB}" dt="2021-01-06T19:14:15.905" v="813" actId="20577"/>
+          <ac:spMkLst>
+            <pc:docMk/>
+            <pc:sldMk cId="2497512606" sldId="383"/>
+            <ac:spMk id="3" creationId="{BC48574D-236C-40BA-AB9B-2BFEF0FE443B}"/>
+          </ac:spMkLst>
+        </pc:spChg>
+      </pc:sldChg>
+      <pc:sldChg chg="del">
+        <pc:chgData name="Marius Hole" userId="640c7f4a-0705-4bef-a18e-190e1e8ea9fa" providerId="ADAL" clId="{334E00DB-73A3-4C66-B5F9-E1F69874C6AB}" dt="2021-01-06T18:13:30.060" v="0" actId="47"/>
+        <pc:sldMkLst>
+          <pc:docMk/>
+          <pc:sldMk cId="577501438" sldId="384"/>
+        </pc:sldMkLst>
+      </pc:sldChg>
+      <pc:sldChg chg="addSp modSp add mod">
+        <pc:chgData name="Marius Hole" userId="640c7f4a-0705-4bef-a18e-190e1e8ea9fa" providerId="ADAL" clId="{334E00DB-73A3-4C66-B5F9-E1F69874C6AB}" dt="2021-01-06T19:16:29.432" v="928" actId="1036"/>
+        <pc:sldMkLst>
+          <pc:docMk/>
+          <pc:sldMk cId="4253442726" sldId="384"/>
+        </pc:sldMkLst>
+        <pc:spChg chg="mod">
+          <ac:chgData name="Marius Hole" userId="640c7f4a-0705-4bef-a18e-190e1e8ea9fa" providerId="ADAL" clId="{334E00DB-73A3-4C66-B5F9-E1F69874C6AB}" dt="2021-01-06T18:50:16.614" v="229"/>
+          <ac:spMkLst>
+            <pc:docMk/>
+            <pc:sldMk cId="4253442726" sldId="384"/>
+            <ac:spMk id="2" creationId="{E930D958-96C8-44C0-926C-3021A53D08A3}"/>
+          </ac:spMkLst>
+        </pc:spChg>
+        <pc:spChg chg="mod">
+          <ac:chgData name="Marius Hole" userId="640c7f4a-0705-4bef-a18e-190e1e8ea9fa" providerId="ADAL" clId="{334E00DB-73A3-4C66-B5F9-E1F69874C6AB}" dt="2021-01-06T19:15:22.974" v="823" actId="20577"/>
+          <ac:spMkLst>
+            <pc:docMk/>
+            <pc:sldMk cId="4253442726" sldId="384"/>
+            <ac:spMk id="3" creationId="{BC48574D-236C-40BA-AB9B-2BFEF0FE443B}"/>
+          </ac:spMkLst>
+        </pc:spChg>
+        <pc:picChg chg="add mod">
+          <ac:chgData name="Marius Hole" userId="640c7f4a-0705-4bef-a18e-190e1e8ea9fa" providerId="ADAL" clId="{334E00DB-73A3-4C66-B5F9-E1F69874C6AB}" dt="2021-01-06T19:16:14.767" v="850" actId="1035"/>
+          <ac:picMkLst>
+            <pc:docMk/>
+            <pc:sldMk cId="4253442726" sldId="384"/>
+            <ac:picMk id="6" creationId="{97938470-CC33-4034-AFF7-598CED5954B4}"/>
+          </ac:picMkLst>
+        </pc:picChg>
+        <pc:picChg chg="add mod">
+          <ac:chgData name="Marius Hole" userId="640c7f4a-0705-4bef-a18e-190e1e8ea9fa" providerId="ADAL" clId="{334E00DB-73A3-4C66-B5F9-E1F69874C6AB}" dt="2021-01-06T19:16:29.432" v="928" actId="1036"/>
+          <ac:picMkLst>
+            <pc:docMk/>
+            <pc:sldMk cId="4253442726" sldId="384"/>
+            <ac:picMk id="8" creationId="{556CA2DD-D489-4DCB-A783-4868B20A54D9}"/>
+          </ac:picMkLst>
+        </pc:picChg>
+      </pc:sldChg>
+      <pc:sldChg chg="modSp add mod">
+        <pc:chgData name="Marius Hole" userId="640c7f4a-0705-4bef-a18e-190e1e8ea9fa" providerId="ADAL" clId="{334E00DB-73A3-4C66-B5F9-E1F69874C6AB}" dt="2021-01-06T19:18:08.752" v="1027" actId="20577"/>
+        <pc:sldMkLst>
+          <pc:docMk/>
+          <pc:sldMk cId="1602860480" sldId="385"/>
+        </pc:sldMkLst>
+        <pc:spChg chg="mod">
+          <ac:chgData name="Marius Hole" userId="640c7f4a-0705-4bef-a18e-190e1e8ea9fa" providerId="ADAL" clId="{334E00DB-73A3-4C66-B5F9-E1F69874C6AB}" dt="2021-01-06T18:50:25.508" v="231"/>
+          <ac:spMkLst>
+            <pc:docMk/>
+            <pc:sldMk cId="1602860480" sldId="385"/>
+            <ac:spMk id="2" creationId="{E930D958-96C8-44C0-926C-3021A53D08A3}"/>
+          </ac:spMkLst>
+        </pc:spChg>
+        <pc:spChg chg="mod">
+          <ac:chgData name="Marius Hole" userId="640c7f4a-0705-4bef-a18e-190e1e8ea9fa" providerId="ADAL" clId="{334E00DB-73A3-4C66-B5F9-E1F69874C6AB}" dt="2021-01-06T19:18:08.752" v="1027" actId="20577"/>
+          <ac:spMkLst>
+            <pc:docMk/>
+            <pc:sldMk cId="1602860480" sldId="385"/>
+            <ac:spMk id="3" creationId="{BC48574D-236C-40BA-AB9B-2BFEF0FE443B}"/>
+          </ac:spMkLst>
+        </pc:spChg>
+      </pc:sldChg>
+      <pc:sldChg chg="del">
+        <pc:chgData name="Marius Hole" userId="640c7f4a-0705-4bef-a18e-190e1e8ea9fa" providerId="ADAL" clId="{334E00DB-73A3-4C66-B5F9-E1F69874C6AB}" dt="2021-01-06T18:13:30.060" v="0" actId="47"/>
+        <pc:sldMkLst>
+          <pc:docMk/>
+          <pc:sldMk cId="2073677069" sldId="385"/>
+        </pc:sldMkLst>
+      </pc:sldChg>
+      <pc:sldChg chg="del">
+        <pc:chgData name="Marius Hole" userId="640c7f4a-0705-4bef-a18e-190e1e8ea9fa" providerId="ADAL" clId="{334E00DB-73A3-4C66-B5F9-E1F69874C6AB}" dt="2021-01-06T18:13:30.060" v="0" actId="47"/>
+        <pc:sldMkLst>
+          <pc:docMk/>
+          <pc:sldMk cId="603924555" sldId="386"/>
+        </pc:sldMkLst>
+      </pc:sldChg>
+      <pc:sldChg chg="del">
+        <pc:chgData name="Marius Hole" userId="640c7f4a-0705-4bef-a18e-190e1e8ea9fa" providerId="ADAL" clId="{334E00DB-73A3-4C66-B5F9-E1F69874C6AB}" dt="2021-01-06T18:13:30.060" v="0" actId="47"/>
+        <pc:sldMkLst>
+          <pc:docMk/>
+          <pc:sldMk cId="3587055991" sldId="387"/>
+        </pc:sldMkLst>
+      </pc:sldChg>
+      <pc:sldChg chg="del">
+        <pc:chgData name="Marius Hole" userId="640c7f4a-0705-4bef-a18e-190e1e8ea9fa" providerId="ADAL" clId="{334E00DB-73A3-4C66-B5F9-E1F69874C6AB}" dt="2021-01-06T18:13:30.060" v="0" actId="47"/>
+        <pc:sldMkLst>
+          <pc:docMk/>
+          <pc:sldMk cId="1563450011" sldId="388"/>
         </pc:sldMkLst>
       </pc:sldChg>
     </pc:docChg>
@@ -1258,516 +1532,595 @@
     </pc:docChg>
   </pc:docChgLst>
   <pc:docChgLst>
-    <pc:chgData name="Marius Hole" userId="640c7f4a-0705-4bef-a18e-190e1e8ea9fa" providerId="ADAL" clId="{334E00DB-73A3-4C66-B5F9-E1F69874C6AB}"/>
+    <pc:chgData name="Marius Hole" userId="640c7f4a-0705-4bef-a18e-190e1e8ea9fa" providerId="ADAL" clId="{932D2547-66A5-4706-B75D-CC1BC50A0CAC}"/>
     <pc:docChg chg="undo custSel addSld delSld modSld sldOrd">
-      <pc:chgData name="Marius Hole" userId="640c7f4a-0705-4bef-a18e-190e1e8ea9fa" providerId="ADAL" clId="{334E00DB-73A3-4C66-B5F9-E1F69874C6AB}" dt="2021-01-06T19:22:24.836" v="1149"/>
+      <pc:chgData name="Marius Hole" userId="640c7f4a-0705-4bef-a18e-190e1e8ea9fa" providerId="ADAL" clId="{932D2547-66A5-4706-B75D-CC1BC50A0CAC}" dt="2021-05-23T09:36:30.448" v="831" actId="20577"/>
+      <pc:docMkLst>
+        <pc:docMk/>
+      </pc:docMkLst>
+      <pc:sldChg chg="del">
+        <pc:chgData name="Marius Hole" userId="640c7f4a-0705-4bef-a18e-190e1e8ea9fa" providerId="ADAL" clId="{932D2547-66A5-4706-B75D-CC1BC50A0CAC}" dt="2021-05-19T11:15:33.534" v="0" actId="47"/>
+        <pc:sldMkLst>
+          <pc:docMk/>
+          <pc:sldMk cId="2366304937" sldId="383"/>
+        </pc:sldMkLst>
+      </pc:sldChg>
+      <pc:sldChg chg="del">
+        <pc:chgData name="Marius Hole" userId="640c7f4a-0705-4bef-a18e-190e1e8ea9fa" providerId="ADAL" clId="{932D2547-66A5-4706-B75D-CC1BC50A0CAC}" dt="2021-05-19T11:15:33.534" v="0" actId="47"/>
+        <pc:sldMkLst>
+          <pc:docMk/>
+          <pc:sldMk cId="1405082422" sldId="384"/>
+        </pc:sldMkLst>
+      </pc:sldChg>
+      <pc:sldChg chg="del">
+        <pc:chgData name="Marius Hole" userId="640c7f4a-0705-4bef-a18e-190e1e8ea9fa" providerId="ADAL" clId="{932D2547-66A5-4706-B75D-CC1BC50A0CAC}" dt="2021-05-19T11:15:33.534" v="0" actId="47"/>
+        <pc:sldMkLst>
+          <pc:docMk/>
+          <pc:sldMk cId="1006631515" sldId="385"/>
+        </pc:sldMkLst>
+      </pc:sldChg>
+      <pc:sldChg chg="del">
+        <pc:chgData name="Marius Hole" userId="640c7f4a-0705-4bef-a18e-190e1e8ea9fa" providerId="ADAL" clId="{932D2547-66A5-4706-B75D-CC1BC50A0CAC}" dt="2021-05-19T11:15:33.534" v="0" actId="47"/>
+        <pc:sldMkLst>
+          <pc:docMk/>
+          <pc:sldMk cId="70511434" sldId="388"/>
+        </pc:sldMkLst>
+      </pc:sldChg>
+      <pc:sldChg chg="del">
+        <pc:chgData name="Marius Hole" userId="640c7f4a-0705-4bef-a18e-190e1e8ea9fa" providerId="ADAL" clId="{932D2547-66A5-4706-B75D-CC1BC50A0CAC}" dt="2021-05-19T11:15:33.534" v="0" actId="47"/>
+        <pc:sldMkLst>
+          <pc:docMk/>
+          <pc:sldMk cId="3900842098" sldId="389"/>
+        </pc:sldMkLst>
+      </pc:sldChg>
+      <pc:sldChg chg="del">
+        <pc:chgData name="Marius Hole" userId="640c7f4a-0705-4bef-a18e-190e1e8ea9fa" providerId="ADAL" clId="{932D2547-66A5-4706-B75D-CC1BC50A0CAC}" dt="2021-05-19T11:15:33.534" v="0" actId="47"/>
+        <pc:sldMkLst>
+          <pc:docMk/>
+          <pc:sldMk cId="4055289116" sldId="390"/>
+        </pc:sldMkLst>
+      </pc:sldChg>
+      <pc:sldChg chg="del">
+        <pc:chgData name="Marius Hole" userId="640c7f4a-0705-4bef-a18e-190e1e8ea9fa" providerId="ADAL" clId="{932D2547-66A5-4706-B75D-CC1BC50A0CAC}" dt="2021-05-19T11:15:33.534" v="0" actId="47"/>
+        <pc:sldMkLst>
+          <pc:docMk/>
+          <pc:sldMk cId="936531885" sldId="391"/>
+        </pc:sldMkLst>
+      </pc:sldChg>
+      <pc:sldChg chg="modSp mod">
+        <pc:chgData name="Marius Hole" userId="640c7f4a-0705-4bef-a18e-190e1e8ea9fa" providerId="ADAL" clId="{932D2547-66A5-4706-B75D-CC1BC50A0CAC}" dt="2021-05-19T11:20:27.125" v="222" actId="20577"/>
+        <pc:sldMkLst>
+          <pc:docMk/>
+          <pc:sldMk cId="393997522" sldId="392"/>
+        </pc:sldMkLst>
+        <pc:spChg chg="mod">
+          <ac:chgData name="Marius Hole" userId="640c7f4a-0705-4bef-a18e-190e1e8ea9fa" providerId="ADAL" clId="{932D2547-66A5-4706-B75D-CC1BC50A0CAC}" dt="2021-05-19T11:20:27.125" v="222" actId="20577"/>
+          <ac:spMkLst>
+            <pc:docMk/>
+            <pc:sldMk cId="393997522" sldId="392"/>
+            <ac:spMk id="2" creationId="{E930D958-96C8-44C0-926C-3021A53D08A3}"/>
+          </ac:spMkLst>
+        </pc:spChg>
+        <pc:spChg chg="mod">
+          <ac:chgData name="Marius Hole" userId="640c7f4a-0705-4bef-a18e-190e1e8ea9fa" providerId="ADAL" clId="{932D2547-66A5-4706-B75D-CC1BC50A0CAC}" dt="2021-05-19T11:18:07.179" v="132" actId="20577"/>
+          <ac:spMkLst>
+            <pc:docMk/>
+            <pc:sldMk cId="393997522" sldId="392"/>
+            <ac:spMk id="3" creationId="{BC48574D-236C-40BA-AB9B-2BFEF0FE443B}"/>
+          </ac:spMkLst>
+        </pc:spChg>
+      </pc:sldChg>
+      <pc:sldChg chg="modSp add mod">
+        <pc:chgData name="Marius Hole" userId="640c7f4a-0705-4bef-a18e-190e1e8ea9fa" providerId="ADAL" clId="{932D2547-66A5-4706-B75D-CC1BC50A0CAC}" dt="2021-05-19T11:20:22.795" v="221" actId="20577"/>
+        <pc:sldMkLst>
+          <pc:docMk/>
+          <pc:sldMk cId="48236777" sldId="393"/>
+        </pc:sldMkLst>
+        <pc:spChg chg="mod">
+          <ac:chgData name="Marius Hole" userId="640c7f4a-0705-4bef-a18e-190e1e8ea9fa" providerId="ADAL" clId="{932D2547-66A5-4706-B75D-CC1BC50A0CAC}" dt="2021-05-19T11:20:22.795" v="221" actId="20577"/>
+          <ac:spMkLst>
+            <pc:docMk/>
+            <pc:sldMk cId="48236777" sldId="393"/>
+            <ac:spMk id="2" creationId="{E930D958-96C8-44C0-926C-3021A53D08A3}"/>
+          </ac:spMkLst>
+        </pc:spChg>
+        <pc:spChg chg="mod">
+          <ac:chgData name="Marius Hole" userId="640c7f4a-0705-4bef-a18e-190e1e8ea9fa" providerId="ADAL" clId="{932D2547-66A5-4706-B75D-CC1BC50A0CAC}" dt="2021-05-19T11:20:03.051" v="217" actId="20577"/>
+          <ac:spMkLst>
+            <pc:docMk/>
+            <pc:sldMk cId="48236777" sldId="393"/>
+            <ac:spMk id="3" creationId="{BC48574D-236C-40BA-AB9B-2BFEF0FE443B}"/>
+          </ac:spMkLst>
+        </pc:spChg>
+      </pc:sldChg>
+      <pc:sldChg chg="add del">
+        <pc:chgData name="Marius Hole" userId="640c7f4a-0705-4bef-a18e-190e1e8ea9fa" providerId="ADAL" clId="{932D2547-66A5-4706-B75D-CC1BC50A0CAC}" dt="2021-05-19T11:17:25.085" v="41" actId="22"/>
+        <pc:sldMkLst>
+          <pc:docMk/>
+          <pc:sldMk cId="576554567" sldId="393"/>
+        </pc:sldMkLst>
+      </pc:sldChg>
+      <pc:sldChg chg="del">
+        <pc:chgData name="Marius Hole" userId="640c7f4a-0705-4bef-a18e-190e1e8ea9fa" providerId="ADAL" clId="{932D2547-66A5-4706-B75D-CC1BC50A0CAC}" dt="2021-05-19T11:15:33.534" v="0" actId="47"/>
+        <pc:sldMkLst>
+          <pc:docMk/>
+          <pc:sldMk cId="677336354" sldId="393"/>
+        </pc:sldMkLst>
+      </pc:sldChg>
+      <pc:sldChg chg="modSp add mod">
+        <pc:chgData name="Marius Hole" userId="640c7f4a-0705-4bef-a18e-190e1e8ea9fa" providerId="ADAL" clId="{932D2547-66A5-4706-B75D-CC1BC50A0CAC}" dt="2021-05-19T12:12:46.943" v="738" actId="20577"/>
+        <pc:sldMkLst>
+          <pc:docMk/>
+          <pc:sldMk cId="3276550421" sldId="394"/>
+        </pc:sldMkLst>
+        <pc:spChg chg="mod">
+          <ac:chgData name="Marius Hole" userId="640c7f4a-0705-4bef-a18e-190e1e8ea9fa" providerId="ADAL" clId="{932D2547-66A5-4706-B75D-CC1BC50A0CAC}" dt="2021-05-19T11:20:39.620" v="225" actId="20577"/>
+          <ac:spMkLst>
+            <pc:docMk/>
+            <pc:sldMk cId="3276550421" sldId="394"/>
+            <ac:spMk id="2" creationId="{E930D958-96C8-44C0-926C-3021A53D08A3}"/>
+          </ac:spMkLst>
+        </pc:spChg>
+        <pc:spChg chg="mod">
+          <ac:chgData name="Marius Hole" userId="640c7f4a-0705-4bef-a18e-190e1e8ea9fa" providerId="ADAL" clId="{932D2547-66A5-4706-B75D-CC1BC50A0CAC}" dt="2021-05-19T12:12:46.943" v="738" actId="20577"/>
+          <ac:spMkLst>
+            <pc:docMk/>
+            <pc:sldMk cId="3276550421" sldId="394"/>
+            <ac:spMk id="3" creationId="{BC48574D-236C-40BA-AB9B-2BFEF0FE443B}"/>
+          </ac:spMkLst>
+        </pc:spChg>
+      </pc:sldChg>
+      <pc:sldChg chg="del">
+        <pc:chgData name="Marius Hole" userId="640c7f4a-0705-4bef-a18e-190e1e8ea9fa" providerId="ADAL" clId="{932D2547-66A5-4706-B75D-CC1BC50A0CAC}" dt="2021-05-19T11:15:33.534" v="0" actId="47"/>
+        <pc:sldMkLst>
+          <pc:docMk/>
+          <pc:sldMk cId="3711034169" sldId="394"/>
+        </pc:sldMkLst>
+      </pc:sldChg>
+      <pc:sldChg chg="del">
+        <pc:chgData name="Marius Hole" userId="640c7f4a-0705-4bef-a18e-190e1e8ea9fa" providerId="ADAL" clId="{932D2547-66A5-4706-B75D-CC1BC50A0CAC}" dt="2021-05-19T11:15:33.534" v="0" actId="47"/>
+        <pc:sldMkLst>
+          <pc:docMk/>
+          <pc:sldMk cId="2309249022" sldId="395"/>
+        </pc:sldMkLst>
+      </pc:sldChg>
+      <pc:sldChg chg="modSp add mod ord">
+        <pc:chgData name="Marius Hole" userId="640c7f4a-0705-4bef-a18e-190e1e8ea9fa" providerId="ADAL" clId="{932D2547-66A5-4706-B75D-CC1BC50A0CAC}" dt="2021-05-23T09:36:30.448" v="831" actId="20577"/>
+        <pc:sldMkLst>
+          <pc:docMk/>
+          <pc:sldMk cId="2636641309" sldId="395"/>
+        </pc:sldMkLst>
+        <pc:spChg chg="mod">
+          <ac:chgData name="Marius Hole" userId="640c7f4a-0705-4bef-a18e-190e1e8ea9fa" providerId="ADAL" clId="{932D2547-66A5-4706-B75D-CC1BC50A0CAC}" dt="2021-05-23T09:36:03.776" v="762" actId="20577"/>
+          <ac:spMkLst>
+            <pc:docMk/>
+            <pc:sldMk cId="2636641309" sldId="395"/>
+            <ac:spMk id="2" creationId="{E930D958-96C8-44C0-926C-3021A53D08A3}"/>
+          </ac:spMkLst>
+        </pc:spChg>
+        <pc:spChg chg="mod">
+          <ac:chgData name="Marius Hole" userId="640c7f4a-0705-4bef-a18e-190e1e8ea9fa" providerId="ADAL" clId="{932D2547-66A5-4706-B75D-CC1BC50A0CAC}" dt="2021-05-23T09:36:30.448" v="831" actId="20577"/>
+          <ac:spMkLst>
+            <pc:docMk/>
+            <pc:sldMk cId="2636641309" sldId="395"/>
+            <ac:spMk id="3" creationId="{BC48574D-236C-40BA-AB9B-2BFEF0FE443B}"/>
+          </ac:spMkLst>
+        </pc:spChg>
+      </pc:sldChg>
+      <pc:sldChg chg="del">
+        <pc:chgData name="Marius Hole" userId="640c7f4a-0705-4bef-a18e-190e1e8ea9fa" providerId="ADAL" clId="{932D2547-66A5-4706-B75D-CC1BC50A0CAC}" dt="2021-05-19T11:15:33.534" v="0" actId="47"/>
+        <pc:sldMkLst>
+          <pc:docMk/>
+          <pc:sldMk cId="2759994191" sldId="396"/>
+        </pc:sldMkLst>
+      </pc:sldChg>
+      <pc:sldChg chg="del">
+        <pc:chgData name="Marius Hole" userId="640c7f4a-0705-4bef-a18e-190e1e8ea9fa" providerId="ADAL" clId="{932D2547-66A5-4706-B75D-CC1BC50A0CAC}" dt="2021-05-19T11:15:33.534" v="0" actId="47"/>
+        <pc:sldMkLst>
+          <pc:docMk/>
+          <pc:sldMk cId="1643380258" sldId="397"/>
+        </pc:sldMkLst>
+      </pc:sldChg>
+      <pc:sldChg chg="del">
+        <pc:chgData name="Marius Hole" userId="640c7f4a-0705-4bef-a18e-190e1e8ea9fa" providerId="ADAL" clId="{932D2547-66A5-4706-B75D-CC1BC50A0CAC}" dt="2021-05-19T11:15:33.534" v="0" actId="47"/>
+        <pc:sldMkLst>
+          <pc:docMk/>
+          <pc:sldMk cId="1694684200" sldId="398"/>
+        </pc:sldMkLst>
+      </pc:sldChg>
+      <pc:sldChg chg="del">
+        <pc:chgData name="Marius Hole" userId="640c7f4a-0705-4bef-a18e-190e1e8ea9fa" providerId="ADAL" clId="{932D2547-66A5-4706-B75D-CC1BC50A0CAC}" dt="2021-05-19T11:15:33.534" v="0" actId="47"/>
+        <pc:sldMkLst>
+          <pc:docMk/>
+          <pc:sldMk cId="2631658248" sldId="399"/>
+        </pc:sldMkLst>
+      </pc:sldChg>
+      <pc:sldChg chg="del">
+        <pc:chgData name="Marius Hole" userId="640c7f4a-0705-4bef-a18e-190e1e8ea9fa" providerId="ADAL" clId="{932D2547-66A5-4706-B75D-CC1BC50A0CAC}" dt="2021-05-19T11:15:33.534" v="0" actId="47"/>
+        <pc:sldMkLst>
+          <pc:docMk/>
+          <pc:sldMk cId="168297172" sldId="406"/>
+        </pc:sldMkLst>
+      </pc:sldChg>
+      <pc:sldChg chg="del">
+        <pc:chgData name="Marius Hole" userId="640c7f4a-0705-4bef-a18e-190e1e8ea9fa" providerId="ADAL" clId="{932D2547-66A5-4706-B75D-CC1BC50A0CAC}" dt="2021-05-19T11:15:33.534" v="0" actId="47"/>
+        <pc:sldMkLst>
+          <pc:docMk/>
+          <pc:sldMk cId="3017142941" sldId="407"/>
+        </pc:sldMkLst>
+      </pc:sldChg>
+      <pc:sldChg chg="del">
+        <pc:chgData name="Marius Hole" userId="640c7f4a-0705-4bef-a18e-190e1e8ea9fa" providerId="ADAL" clId="{932D2547-66A5-4706-B75D-CC1BC50A0CAC}" dt="2021-05-19T11:15:33.534" v="0" actId="47"/>
+        <pc:sldMkLst>
+          <pc:docMk/>
+          <pc:sldMk cId="3392729381" sldId="408"/>
+        </pc:sldMkLst>
+      </pc:sldChg>
+      <pc:sldChg chg="del">
+        <pc:chgData name="Marius Hole" userId="640c7f4a-0705-4bef-a18e-190e1e8ea9fa" providerId="ADAL" clId="{932D2547-66A5-4706-B75D-CC1BC50A0CAC}" dt="2021-05-19T11:15:33.534" v="0" actId="47"/>
+        <pc:sldMkLst>
+          <pc:docMk/>
+          <pc:sldMk cId="2803065246" sldId="409"/>
+        </pc:sldMkLst>
+      </pc:sldChg>
+      <pc:sldChg chg="del">
+        <pc:chgData name="Marius Hole" userId="640c7f4a-0705-4bef-a18e-190e1e8ea9fa" providerId="ADAL" clId="{932D2547-66A5-4706-B75D-CC1BC50A0CAC}" dt="2021-05-19T11:15:33.534" v="0" actId="47"/>
+        <pc:sldMkLst>
+          <pc:docMk/>
+          <pc:sldMk cId="1954709923" sldId="410"/>
+        </pc:sldMkLst>
+      </pc:sldChg>
+    </pc:docChg>
+  </pc:docChgLst>
+  <pc:docChgLst>
+    <pc:chgData name="Marius Hole" userId="640c7f4a-0705-4bef-a18e-190e1e8ea9fa" providerId="ADAL" clId="{117DEA86-0DAF-4750-9E6B-621DF0F7E3F7}"/>
+    <pc:docChg chg="undo redo custSel addSld delSld modSld sldOrd">
+      <pc:chgData name="Marius Hole" userId="640c7f4a-0705-4bef-a18e-190e1e8ea9fa" providerId="ADAL" clId="{117DEA86-0DAF-4750-9E6B-621DF0F7E3F7}" dt="2021-01-25T16:14:46.678" v="337"/>
       <pc:docMkLst>
         <pc:docMk/>
       </pc:docMkLst>
       <pc:sldChg chg="modSp mod">
-        <pc:chgData name="Marius Hole" userId="640c7f4a-0705-4bef-a18e-190e1e8ea9fa" providerId="ADAL" clId="{334E00DB-73A3-4C66-B5F9-E1F69874C6AB}" dt="2021-01-06T19:22:24.836" v="1149"/>
+        <pc:chgData name="Marius Hole" userId="640c7f4a-0705-4bef-a18e-190e1e8ea9fa" providerId="ADAL" clId="{117DEA86-0DAF-4750-9E6B-621DF0F7E3F7}" dt="2021-01-24T18:57:04.884" v="33" actId="20577"/>
         <pc:sldMkLst>
           <pc:docMk/>
           <pc:sldMk cId="2929233815" sldId="376"/>
         </pc:sldMkLst>
         <pc:spChg chg="mod">
-          <ac:chgData name="Marius Hole" userId="640c7f4a-0705-4bef-a18e-190e1e8ea9fa" providerId="ADAL" clId="{334E00DB-73A3-4C66-B5F9-E1F69874C6AB}" dt="2021-01-06T18:48:47.536" v="211" actId="20577"/>
+          <ac:chgData name="Marius Hole" userId="640c7f4a-0705-4bef-a18e-190e1e8ea9fa" providerId="ADAL" clId="{117DEA86-0DAF-4750-9E6B-621DF0F7E3F7}" dt="2021-01-24T18:57:04.884" v="33" actId="20577"/>
           <ac:spMkLst>
             <pc:docMk/>
             <pc:sldMk cId="2929233815" sldId="376"/>
+            <ac:spMk id="3" creationId="{BC48574D-236C-40BA-AB9B-2BFEF0FE443B}"/>
+          </ac:spMkLst>
+        </pc:spChg>
+      </pc:sldChg>
+      <pc:sldChg chg="del">
+        <pc:chgData name="Marius Hole" userId="640c7f4a-0705-4bef-a18e-190e1e8ea9fa" providerId="ADAL" clId="{117DEA86-0DAF-4750-9E6B-621DF0F7E3F7}" dt="2021-01-24T18:58:22.336" v="35" actId="47"/>
+        <pc:sldMkLst>
+          <pc:docMk/>
+          <pc:sldMk cId="3915907644" sldId="379"/>
+        </pc:sldMkLst>
+      </pc:sldChg>
+      <pc:sldChg chg="del">
+        <pc:chgData name="Marius Hole" userId="640c7f4a-0705-4bef-a18e-190e1e8ea9fa" providerId="ADAL" clId="{117DEA86-0DAF-4750-9E6B-621DF0F7E3F7}" dt="2021-01-24T18:58:22.336" v="35" actId="47"/>
+        <pc:sldMkLst>
+          <pc:docMk/>
+          <pc:sldMk cId="3569898867" sldId="380"/>
+        </pc:sldMkLst>
+      </pc:sldChg>
+      <pc:sldChg chg="del">
+        <pc:chgData name="Marius Hole" userId="640c7f4a-0705-4bef-a18e-190e1e8ea9fa" providerId="ADAL" clId="{117DEA86-0DAF-4750-9E6B-621DF0F7E3F7}" dt="2021-01-24T18:58:22.336" v="35" actId="47"/>
+        <pc:sldMkLst>
+          <pc:docMk/>
+          <pc:sldMk cId="1669615239" sldId="381"/>
+        </pc:sldMkLst>
+      </pc:sldChg>
+      <pc:sldChg chg="addSp delSp modSp mod">
+        <pc:chgData name="Marius Hole" userId="640c7f4a-0705-4bef-a18e-190e1e8ea9fa" providerId="ADAL" clId="{117DEA86-0DAF-4750-9E6B-621DF0F7E3F7}" dt="2021-01-24T19:39:25.409" v="279" actId="1038"/>
+        <pc:sldMkLst>
+          <pc:docMk/>
+          <pc:sldMk cId="4019874596" sldId="382"/>
+        </pc:sldMkLst>
+        <pc:spChg chg="mod">
+          <ac:chgData name="Marius Hole" userId="640c7f4a-0705-4bef-a18e-190e1e8ea9fa" providerId="ADAL" clId="{117DEA86-0DAF-4750-9E6B-621DF0F7E3F7}" dt="2021-01-24T19:38:25.513" v="156" actId="20577"/>
+          <ac:spMkLst>
+            <pc:docMk/>
+            <pc:sldMk cId="4019874596" sldId="382"/>
             <ac:spMk id="2" creationId="{E930D958-96C8-44C0-926C-3021A53D08A3}"/>
           </ac:spMkLst>
         </pc:spChg>
         <pc:spChg chg="mod">
-          <ac:chgData name="Marius Hole" userId="640c7f4a-0705-4bef-a18e-190e1e8ea9fa" providerId="ADAL" clId="{334E00DB-73A3-4C66-B5F9-E1F69874C6AB}" dt="2021-01-06T19:22:24.836" v="1149"/>
+          <ac:chgData name="Marius Hole" userId="640c7f4a-0705-4bef-a18e-190e1e8ea9fa" providerId="ADAL" clId="{117DEA86-0DAF-4750-9E6B-621DF0F7E3F7}" dt="2021-01-24T19:38:56.228" v="233" actId="242"/>
           <ac:spMkLst>
             <pc:docMk/>
-            <pc:sldMk cId="2929233815" sldId="376"/>
+            <pc:sldMk cId="4019874596" sldId="382"/>
             <ac:spMk id="3" creationId="{BC48574D-236C-40BA-AB9B-2BFEF0FE443B}"/>
           </ac:spMkLst>
         </pc:spChg>
+        <pc:picChg chg="add mod">
+          <ac:chgData name="Marius Hole" userId="640c7f4a-0705-4bef-a18e-190e1e8ea9fa" providerId="ADAL" clId="{117DEA86-0DAF-4750-9E6B-621DF0F7E3F7}" dt="2021-01-24T19:39:25.409" v="279" actId="1038"/>
+          <ac:picMkLst>
+            <pc:docMk/>
+            <pc:sldMk cId="4019874596" sldId="382"/>
+            <ac:picMk id="6" creationId="{5A0CE20C-ABA7-4370-A69B-4E9FA8A39CDB}"/>
+          </ac:picMkLst>
+        </pc:picChg>
+        <pc:picChg chg="del">
+          <ac:chgData name="Marius Hole" userId="640c7f4a-0705-4bef-a18e-190e1e8ea9fa" providerId="ADAL" clId="{117DEA86-0DAF-4750-9E6B-621DF0F7E3F7}" dt="2021-01-24T18:58:13.174" v="34" actId="478"/>
+          <ac:picMkLst>
+            <pc:docMk/>
+            <pc:sldMk cId="4019874596" sldId="382"/>
+            <ac:picMk id="1026" creationId="{508F9711-773C-494C-AE94-08CFF835B14F}"/>
+          </ac:picMkLst>
+        </pc:picChg>
       </pc:sldChg>
       <pc:sldChg chg="del">
-        <pc:chgData name="Marius Hole" userId="640c7f4a-0705-4bef-a18e-190e1e8ea9fa" providerId="ADAL" clId="{334E00DB-73A3-4C66-B5F9-E1F69874C6AB}" dt="2021-01-06T18:13:30.060" v="0" actId="47"/>
-        <pc:sldMkLst>
-          <pc:docMk/>
-          <pc:sldMk cId="249590354" sldId="377"/>
-        </pc:sldMkLst>
-      </pc:sldChg>
-      <pc:sldChg chg="modSp add mod ord">
-        <pc:chgData name="Marius Hole" userId="640c7f4a-0705-4bef-a18e-190e1e8ea9fa" providerId="ADAL" clId="{334E00DB-73A3-4C66-B5F9-E1F69874C6AB}" dt="2021-01-06T19:22:04.484" v="1142"/>
-        <pc:sldMkLst>
-          <pc:docMk/>
-          <pc:sldMk cId="754110363" sldId="377"/>
+        <pc:chgData name="Marius Hole" userId="640c7f4a-0705-4bef-a18e-190e1e8ea9fa" providerId="ADAL" clId="{117DEA86-0DAF-4750-9E6B-621DF0F7E3F7}" dt="2021-01-24T18:58:22.336" v="35" actId="47"/>
+        <pc:sldMkLst>
+          <pc:docMk/>
+          <pc:sldMk cId="479420297" sldId="383"/>
+        </pc:sldMkLst>
+      </pc:sldChg>
+      <pc:sldChg chg="modSp add mod">
+        <pc:chgData name="Marius Hole" userId="640c7f4a-0705-4bef-a18e-190e1e8ea9fa" providerId="ADAL" clId="{117DEA86-0DAF-4750-9E6B-621DF0F7E3F7}" dt="2021-01-24T18:59:12.849" v="51" actId="20577"/>
+        <pc:sldMkLst>
+          <pc:docMk/>
+          <pc:sldMk cId="2366304937" sldId="383"/>
         </pc:sldMkLst>
         <pc:spChg chg="mod">
-          <ac:chgData name="Marius Hole" userId="640c7f4a-0705-4bef-a18e-190e1e8ea9fa" providerId="ADAL" clId="{334E00DB-73A3-4C66-B5F9-E1F69874C6AB}" dt="2021-01-06T18:50:36.101" v="232"/>
+          <ac:chgData name="Marius Hole" userId="640c7f4a-0705-4bef-a18e-190e1e8ea9fa" providerId="ADAL" clId="{117DEA86-0DAF-4750-9E6B-621DF0F7E3F7}" dt="2021-01-24T18:59:00.649" v="43"/>
           <ac:spMkLst>
             <pc:docMk/>
-            <pc:sldMk cId="754110363" sldId="377"/>
-            <ac:spMk id="2" creationId="{E930D958-96C8-44C0-926C-3021A53D08A3}"/>
-          </ac:spMkLst>
-        </pc:spChg>
-      </pc:sldChg>
-      <pc:sldChg chg="addSp delSp modSp add mod">
-        <pc:chgData name="Marius Hole" userId="640c7f4a-0705-4bef-a18e-190e1e8ea9fa" providerId="ADAL" clId="{334E00DB-73A3-4C66-B5F9-E1F69874C6AB}" dt="2021-01-06T19:00:34.833" v="350" actId="1036"/>
-        <pc:sldMkLst>
-          <pc:docMk/>
-          <pc:sldMk cId="2558665023" sldId="378"/>
-        </pc:sldMkLst>
-        <pc:spChg chg="mod">
-          <ac:chgData name="Marius Hole" userId="640c7f4a-0705-4bef-a18e-190e1e8ea9fa" providerId="ADAL" clId="{334E00DB-73A3-4C66-B5F9-E1F69874C6AB}" dt="2021-01-06T18:48:55.204" v="214" actId="20577"/>
-          <ac:spMkLst>
-            <pc:docMk/>
-            <pc:sldMk cId="2558665023" sldId="378"/>
+            <pc:sldMk cId="2366304937" sldId="383"/>
             <ac:spMk id="2" creationId="{E930D958-96C8-44C0-926C-3021A53D08A3}"/>
           </ac:spMkLst>
         </pc:spChg>
         <pc:spChg chg="mod">
-          <ac:chgData name="Marius Hole" userId="640c7f4a-0705-4bef-a18e-190e1e8ea9fa" providerId="ADAL" clId="{334E00DB-73A3-4C66-B5F9-E1F69874C6AB}" dt="2021-01-06T18:59:52.352" v="280" actId="20577"/>
+          <ac:chgData name="Marius Hole" userId="640c7f4a-0705-4bef-a18e-190e1e8ea9fa" providerId="ADAL" clId="{117DEA86-0DAF-4750-9E6B-621DF0F7E3F7}" dt="2021-01-24T18:59:12.849" v="51" actId="20577"/>
           <ac:spMkLst>
             <pc:docMk/>
-            <pc:sldMk cId="2558665023" sldId="378"/>
+            <pc:sldMk cId="2366304937" sldId="383"/>
             <ac:spMk id="3" creationId="{BC48574D-236C-40BA-AB9B-2BFEF0FE443B}"/>
           </ac:spMkLst>
         </pc:spChg>
-        <pc:spChg chg="add del mod">
-          <ac:chgData name="Marius Hole" userId="640c7f4a-0705-4bef-a18e-190e1e8ea9fa" providerId="ADAL" clId="{334E00DB-73A3-4C66-B5F9-E1F69874C6AB}" dt="2021-01-06T18:59:31.486" v="269" actId="22"/>
+      </pc:sldChg>
+      <pc:sldChg chg="addSp modSp add del mod">
+        <pc:chgData name="Marius Hole" userId="640c7f4a-0705-4bef-a18e-190e1e8ea9fa" providerId="ADAL" clId="{117DEA86-0DAF-4750-9E6B-621DF0F7E3F7}" dt="2021-01-24T19:13:04.878" v="135" actId="1035"/>
+        <pc:sldMkLst>
+          <pc:docMk/>
+          <pc:sldMk cId="1405082422" sldId="384"/>
+        </pc:sldMkLst>
+        <pc:spChg chg="mod">
+          <ac:chgData name="Marius Hole" userId="640c7f4a-0705-4bef-a18e-190e1e8ea9fa" providerId="ADAL" clId="{117DEA86-0DAF-4750-9E6B-621DF0F7E3F7}" dt="2021-01-24T18:59:22.610" v="53"/>
           <ac:spMkLst>
             <pc:docMk/>
-            <pc:sldMk cId="2558665023" sldId="378"/>
-            <ac:spMk id="8" creationId="{FF602243-485B-415E-8B47-989ADD856CC2}"/>
-          </ac:spMkLst>
-        </pc:spChg>
-        <pc:picChg chg="add del mod">
-          <ac:chgData name="Marius Hole" userId="640c7f4a-0705-4bef-a18e-190e1e8ea9fa" providerId="ADAL" clId="{334E00DB-73A3-4C66-B5F9-E1F69874C6AB}" dt="2021-01-06T19:00:11.431" v="287" actId="478"/>
-          <ac:picMkLst>
-            <pc:docMk/>
-            <pc:sldMk cId="2558665023" sldId="378"/>
-            <ac:picMk id="6" creationId="{CA302BB0-FECB-4683-8733-EA42B772CFB0}"/>
-          </ac:picMkLst>
-        </pc:picChg>
-        <pc:picChg chg="add mod">
-          <ac:chgData name="Marius Hole" userId="640c7f4a-0705-4bef-a18e-190e1e8ea9fa" providerId="ADAL" clId="{334E00DB-73A3-4C66-B5F9-E1F69874C6AB}" dt="2021-01-06T19:00:34.833" v="350" actId="1036"/>
-          <ac:picMkLst>
-            <pc:docMk/>
-            <pc:sldMk cId="2558665023" sldId="378"/>
-            <ac:picMk id="10" creationId="{A91E30D1-BE5F-4929-99B6-C302280630DD}"/>
-          </ac:picMkLst>
-        </pc:picChg>
-      </pc:sldChg>
-      <pc:sldChg chg="del">
-        <pc:chgData name="Marius Hole" userId="640c7f4a-0705-4bef-a18e-190e1e8ea9fa" providerId="ADAL" clId="{334E00DB-73A3-4C66-B5F9-E1F69874C6AB}" dt="2021-01-06T18:13:30.060" v="0" actId="47"/>
-        <pc:sldMkLst>
-          <pc:docMk/>
-          <pc:sldMk cId="3632717848" sldId="378"/>
-        </pc:sldMkLst>
-      </pc:sldChg>
-      <pc:sldChg chg="del">
-        <pc:chgData name="Marius Hole" userId="640c7f4a-0705-4bef-a18e-190e1e8ea9fa" providerId="ADAL" clId="{334E00DB-73A3-4C66-B5F9-E1F69874C6AB}" dt="2021-01-06T18:13:30.060" v="0" actId="47"/>
-        <pc:sldMkLst>
-          <pc:docMk/>
-          <pc:sldMk cId="543533042" sldId="379"/>
-        </pc:sldMkLst>
-      </pc:sldChg>
-      <pc:sldChg chg="modSp add mod">
-        <pc:chgData name="Marius Hole" userId="640c7f4a-0705-4bef-a18e-190e1e8ea9fa" providerId="ADAL" clId="{334E00DB-73A3-4C66-B5F9-E1F69874C6AB}" dt="2021-01-06T19:06:37.734" v="375" actId="20577"/>
-        <pc:sldMkLst>
-          <pc:docMk/>
-          <pc:sldMk cId="3915907644" sldId="379"/>
-        </pc:sldMkLst>
-        <pc:spChg chg="mod">
-          <ac:chgData name="Marius Hole" userId="640c7f4a-0705-4bef-a18e-190e1e8ea9fa" providerId="ADAL" clId="{334E00DB-73A3-4C66-B5F9-E1F69874C6AB}" dt="2021-01-06T19:04:33.012" v="355" actId="20577"/>
-          <ac:spMkLst>
-            <pc:docMk/>
-            <pc:sldMk cId="3915907644" sldId="379"/>
+            <pc:sldMk cId="1405082422" sldId="384"/>
             <ac:spMk id="2" creationId="{E930D958-96C8-44C0-926C-3021A53D08A3}"/>
           </ac:spMkLst>
         </pc:spChg>
         <pc:spChg chg="mod">
-          <ac:chgData name="Marius Hole" userId="640c7f4a-0705-4bef-a18e-190e1e8ea9fa" providerId="ADAL" clId="{334E00DB-73A3-4C66-B5F9-E1F69874C6AB}" dt="2021-01-06T19:06:37.734" v="375" actId="20577"/>
+          <ac:chgData name="Marius Hole" userId="640c7f4a-0705-4bef-a18e-190e1e8ea9fa" providerId="ADAL" clId="{117DEA86-0DAF-4750-9E6B-621DF0F7E3F7}" dt="2021-01-24T19:11:58.300" v="126" actId="20577"/>
           <ac:spMkLst>
             <pc:docMk/>
-            <pc:sldMk cId="3915907644" sldId="379"/>
+            <pc:sldMk cId="1405082422" sldId="384"/>
             <ac:spMk id="3" creationId="{BC48574D-236C-40BA-AB9B-2BFEF0FE443B}"/>
           </ac:spMkLst>
         </pc:spChg>
+        <pc:picChg chg="add mod">
+          <ac:chgData name="Marius Hole" userId="640c7f4a-0705-4bef-a18e-190e1e8ea9fa" providerId="ADAL" clId="{117DEA86-0DAF-4750-9E6B-621DF0F7E3F7}" dt="2021-01-24T19:13:04.878" v="135" actId="1035"/>
+          <ac:picMkLst>
+            <pc:docMk/>
+            <pc:sldMk cId="1405082422" sldId="384"/>
+            <ac:picMk id="6" creationId="{7E5F6AAC-2159-42C6-94E1-2E6A14BB085C}"/>
+          </ac:picMkLst>
+        </pc:picChg>
+      </pc:sldChg>
+      <pc:sldChg chg="del">
+        <pc:chgData name="Marius Hole" userId="640c7f4a-0705-4bef-a18e-190e1e8ea9fa" providerId="ADAL" clId="{117DEA86-0DAF-4750-9E6B-621DF0F7E3F7}" dt="2021-01-24T18:58:22.336" v="35" actId="47"/>
+        <pc:sldMkLst>
+          <pc:docMk/>
+          <pc:sldMk cId="1970511564" sldId="384"/>
+        </pc:sldMkLst>
+      </pc:sldChg>
+      <pc:sldChg chg="addSp">
+        <pc:chgData name="Marius Hole" userId="640c7f4a-0705-4bef-a18e-190e1e8ea9fa" providerId="ADAL" clId="{117DEA86-0DAF-4750-9E6B-621DF0F7E3F7}" dt="2021-01-24T19:10:47.137" v="92"/>
+        <pc:sldMkLst>
+          <pc:docMk/>
+          <pc:sldMk cId="2251989960" sldId="384"/>
+        </pc:sldMkLst>
+        <pc:spChg chg="add">
+          <ac:chgData name="Marius Hole" userId="640c7f4a-0705-4bef-a18e-190e1e8ea9fa" providerId="ADAL" clId="{117DEA86-0DAF-4750-9E6B-621DF0F7E3F7}" dt="2021-01-24T19:10:47.137" v="92"/>
+          <ac:spMkLst>
+            <pc:docMk/>
+            <pc:sldMk cId="2251989960" sldId="384"/>
+            <ac:spMk id="5" creationId="{6818A0C9-A6DA-44FC-8D15-EDAE7233EAFE}"/>
+          </ac:spMkLst>
+        </pc:spChg>
+      </pc:sldChg>
+      <pc:sldChg chg="modSp add mod">
+        <pc:chgData name="Marius Hole" userId="640c7f4a-0705-4bef-a18e-190e1e8ea9fa" providerId="ADAL" clId="{117DEA86-0DAF-4750-9E6B-621DF0F7E3F7}" dt="2021-01-24T18:59:56.265" v="63" actId="20577"/>
+        <pc:sldMkLst>
+          <pc:docMk/>
+          <pc:sldMk cId="1006631515" sldId="385"/>
+        </pc:sldMkLst>
+        <pc:spChg chg="mod">
+          <ac:chgData name="Marius Hole" userId="640c7f4a-0705-4bef-a18e-190e1e8ea9fa" providerId="ADAL" clId="{117DEA86-0DAF-4750-9E6B-621DF0F7E3F7}" dt="2021-01-24T18:59:56.265" v="63" actId="20577"/>
+          <ac:spMkLst>
+            <pc:docMk/>
+            <pc:sldMk cId="1006631515" sldId="385"/>
+            <ac:spMk id="2" creationId="{E930D958-96C8-44C0-926C-3021A53D08A3}"/>
+          </ac:spMkLst>
+        </pc:spChg>
+        <pc:spChg chg="mod">
+          <ac:chgData name="Marius Hole" userId="640c7f4a-0705-4bef-a18e-190e1e8ea9fa" providerId="ADAL" clId="{117DEA86-0DAF-4750-9E6B-621DF0F7E3F7}" dt="2021-01-24T18:59:51.357" v="56"/>
+          <ac:spMkLst>
+            <pc:docMk/>
+            <pc:sldMk cId="1006631515" sldId="385"/>
+            <ac:spMk id="3" creationId="{BC48574D-236C-40BA-AB9B-2BFEF0FE443B}"/>
+          </ac:spMkLst>
+        </pc:spChg>
+      </pc:sldChg>
+      <pc:sldChg chg="del">
+        <pc:chgData name="Marius Hole" userId="640c7f4a-0705-4bef-a18e-190e1e8ea9fa" providerId="ADAL" clId="{117DEA86-0DAF-4750-9E6B-621DF0F7E3F7}" dt="2021-01-24T18:58:22.336" v="35" actId="47"/>
+        <pc:sldMkLst>
+          <pc:docMk/>
+          <pc:sldMk cId="2999690106" sldId="385"/>
+        </pc:sldMkLst>
+      </pc:sldChg>
+      <pc:sldChg chg="modSp add mod">
+        <pc:chgData name="Marius Hole" userId="640c7f4a-0705-4bef-a18e-190e1e8ea9fa" providerId="ADAL" clId="{117DEA86-0DAF-4750-9E6B-621DF0F7E3F7}" dt="2021-01-24T19:00:14.454" v="82" actId="20577"/>
+        <pc:sldMkLst>
+          <pc:docMk/>
+          <pc:sldMk cId="695896064" sldId="386"/>
+        </pc:sldMkLst>
+        <pc:spChg chg="mod">
+          <ac:chgData name="Marius Hole" userId="640c7f4a-0705-4bef-a18e-190e1e8ea9fa" providerId="ADAL" clId="{117DEA86-0DAF-4750-9E6B-621DF0F7E3F7}" dt="2021-01-24T19:00:06.449" v="65"/>
+          <ac:spMkLst>
+            <pc:docMk/>
+            <pc:sldMk cId="695896064" sldId="386"/>
+            <ac:spMk id="2" creationId="{E930D958-96C8-44C0-926C-3021A53D08A3}"/>
+          </ac:spMkLst>
+        </pc:spChg>
+        <pc:spChg chg="mod">
+          <ac:chgData name="Marius Hole" userId="640c7f4a-0705-4bef-a18e-190e1e8ea9fa" providerId="ADAL" clId="{117DEA86-0DAF-4750-9E6B-621DF0F7E3F7}" dt="2021-01-24T19:00:14.454" v="82" actId="20577"/>
+          <ac:spMkLst>
+            <pc:docMk/>
+            <pc:sldMk cId="695896064" sldId="386"/>
+            <ac:spMk id="3" creationId="{BC48574D-236C-40BA-AB9B-2BFEF0FE443B}"/>
+          </ac:spMkLst>
+        </pc:spChg>
+      </pc:sldChg>
+      <pc:sldChg chg="modSp add mod">
+        <pc:chgData name="Marius Hole" userId="640c7f4a-0705-4bef-a18e-190e1e8ea9fa" providerId="ADAL" clId="{117DEA86-0DAF-4750-9E6B-621DF0F7E3F7}" dt="2021-01-24T19:00:24.550" v="84"/>
+        <pc:sldMkLst>
+          <pc:docMk/>
+          <pc:sldMk cId="1176789328" sldId="387"/>
+        </pc:sldMkLst>
+        <pc:spChg chg="mod">
+          <ac:chgData name="Marius Hole" userId="640c7f4a-0705-4bef-a18e-190e1e8ea9fa" providerId="ADAL" clId="{117DEA86-0DAF-4750-9E6B-621DF0F7E3F7}" dt="2021-01-24T19:00:24.550" v="84"/>
+          <ac:spMkLst>
+            <pc:docMk/>
+            <pc:sldMk cId="1176789328" sldId="387"/>
+            <ac:spMk id="2" creationId="{E930D958-96C8-44C0-926C-3021A53D08A3}"/>
+          </ac:spMkLst>
+        </pc:spChg>
       </pc:sldChg>
       <pc:sldChg chg="addSp delSp modSp add mod">
-        <pc:chgData name="Marius Hole" userId="640c7f4a-0705-4bef-a18e-190e1e8ea9fa" providerId="ADAL" clId="{334E00DB-73A3-4C66-B5F9-E1F69874C6AB}" dt="2021-01-06T19:09:10.578" v="446" actId="732"/>
-        <pc:sldMkLst>
-          <pc:docMk/>
-          <pc:sldMk cId="2276069888" sldId="380"/>
+        <pc:chgData name="Marius Hole" userId="640c7f4a-0705-4bef-a18e-190e1e8ea9fa" providerId="ADAL" clId="{117DEA86-0DAF-4750-9E6B-621DF0F7E3F7}" dt="2021-01-24T19:36:42.946" v="144" actId="22"/>
+        <pc:sldMkLst>
+          <pc:docMk/>
+          <pc:sldMk cId="70511434" sldId="388"/>
         </pc:sldMkLst>
         <pc:spChg chg="mod">
-          <ac:chgData name="Marius Hole" userId="640c7f4a-0705-4bef-a18e-190e1e8ea9fa" providerId="ADAL" clId="{334E00DB-73A3-4C66-B5F9-E1F69874C6AB}" dt="2021-01-06T18:49:21.703" v="221"/>
+          <ac:chgData name="Marius Hole" userId="640c7f4a-0705-4bef-a18e-190e1e8ea9fa" providerId="ADAL" clId="{117DEA86-0DAF-4750-9E6B-621DF0F7E3F7}" dt="2021-01-24T19:13:38.795" v="141" actId="20577"/>
           <ac:spMkLst>
             <pc:docMk/>
-            <pc:sldMk cId="2276069888" sldId="380"/>
+            <pc:sldMk cId="70511434" sldId="388"/>
             <ac:spMk id="2" creationId="{E930D958-96C8-44C0-926C-3021A53D08A3}"/>
           </ac:spMkLst>
         </pc:spChg>
         <pc:spChg chg="del mod">
-          <ac:chgData name="Marius Hole" userId="640c7f4a-0705-4bef-a18e-190e1e8ea9fa" providerId="ADAL" clId="{334E00DB-73A3-4C66-B5F9-E1F69874C6AB}" dt="2021-01-06T19:08:10.477" v="377" actId="22"/>
+          <ac:chgData name="Marius Hole" userId="640c7f4a-0705-4bef-a18e-190e1e8ea9fa" providerId="ADAL" clId="{117DEA86-0DAF-4750-9E6B-621DF0F7E3F7}" dt="2021-01-24T19:36:42.946" v="144" actId="22"/>
           <ac:spMkLst>
             <pc:docMk/>
-            <pc:sldMk cId="2276069888" sldId="380"/>
+            <pc:sldMk cId="70511434" sldId="388"/>
             <ac:spMk id="3" creationId="{BC48574D-236C-40BA-AB9B-2BFEF0FE443B}"/>
           </ac:spMkLst>
         </pc:spChg>
-        <pc:spChg chg="add mod">
-          <ac:chgData name="Marius Hole" userId="640c7f4a-0705-4bef-a18e-190e1e8ea9fa" providerId="ADAL" clId="{334E00DB-73A3-4C66-B5F9-E1F69874C6AB}" dt="2021-01-06T19:08:51.211" v="378" actId="478"/>
-          <ac:spMkLst>
-            <pc:docMk/>
-            <pc:sldMk cId="2276069888" sldId="380"/>
-            <ac:spMk id="8" creationId="{CDFA02B8-7FC7-472D-8813-C40EA113DBDE}"/>
-          </ac:spMkLst>
-        </pc:spChg>
-        <pc:picChg chg="add del mod ord">
-          <ac:chgData name="Marius Hole" userId="640c7f4a-0705-4bef-a18e-190e1e8ea9fa" providerId="ADAL" clId="{334E00DB-73A3-4C66-B5F9-E1F69874C6AB}" dt="2021-01-06T19:08:51.211" v="378" actId="478"/>
+        <pc:picChg chg="del">
+          <ac:chgData name="Marius Hole" userId="640c7f4a-0705-4bef-a18e-190e1e8ea9fa" providerId="ADAL" clId="{117DEA86-0DAF-4750-9E6B-621DF0F7E3F7}" dt="2021-01-24T19:36:40.220" v="142" actId="478"/>
           <ac:picMkLst>
             <pc:docMk/>
-            <pc:sldMk cId="2276069888" sldId="380"/>
-            <ac:picMk id="6" creationId="{416602B4-B5F3-49E6-A769-CD3E9C5E60DE}"/>
+            <pc:sldMk cId="70511434" sldId="388"/>
+            <ac:picMk id="6" creationId="{7E5F6AAC-2159-42C6-94E1-2E6A14BB085C}"/>
           </ac:picMkLst>
         </pc:picChg>
-        <pc:picChg chg="add mod modCrop">
-          <ac:chgData name="Marius Hole" userId="640c7f4a-0705-4bef-a18e-190e1e8ea9fa" providerId="ADAL" clId="{334E00DB-73A3-4C66-B5F9-E1F69874C6AB}" dt="2021-01-06T19:09:10.578" v="446" actId="732"/>
+        <pc:picChg chg="add mod ord">
+          <ac:chgData name="Marius Hole" userId="640c7f4a-0705-4bef-a18e-190e1e8ea9fa" providerId="ADAL" clId="{117DEA86-0DAF-4750-9E6B-621DF0F7E3F7}" dt="2021-01-24T19:36:42.946" v="144" actId="22"/>
           <ac:picMkLst>
             <pc:docMk/>
-            <pc:sldMk cId="2276069888" sldId="380"/>
-            <ac:picMk id="10" creationId="{38A9B8CA-EFDF-44A1-A783-A735843C83A2}"/>
+            <pc:sldMk cId="70511434" sldId="388"/>
+            <ac:picMk id="7" creationId="{4962322C-3DB2-4768-B7A0-95135A9C78E5}"/>
           </ac:picMkLst>
         </pc:picChg>
       </pc:sldChg>
       <pc:sldChg chg="del">
-        <pc:chgData name="Marius Hole" userId="640c7f4a-0705-4bef-a18e-190e1e8ea9fa" providerId="ADAL" clId="{334E00DB-73A3-4C66-B5F9-E1F69874C6AB}" dt="2021-01-06T18:13:30.060" v="0" actId="47"/>
-        <pc:sldMkLst>
-          <pc:docMk/>
-          <pc:sldMk cId="2812440683" sldId="380"/>
+        <pc:chgData name="Marius Hole" userId="640c7f4a-0705-4bef-a18e-190e1e8ea9fa" providerId="ADAL" clId="{117DEA86-0DAF-4750-9E6B-621DF0F7E3F7}" dt="2021-01-24T18:58:22.336" v="35" actId="47"/>
+        <pc:sldMkLst>
+          <pc:docMk/>
+          <pc:sldMk cId="2520153872" sldId="388"/>
         </pc:sldMkLst>
       </pc:sldChg>
       <pc:sldChg chg="del">
-        <pc:chgData name="Marius Hole" userId="640c7f4a-0705-4bef-a18e-190e1e8ea9fa" providerId="ADAL" clId="{334E00DB-73A3-4C66-B5F9-E1F69874C6AB}" dt="2021-01-06T18:13:30.060" v="0" actId="47"/>
-        <pc:sldMkLst>
-          <pc:docMk/>
-          <pc:sldMk cId="2184951065" sldId="381"/>
-        </pc:sldMkLst>
-      </pc:sldChg>
-      <pc:sldChg chg="modSp add mod">
-        <pc:chgData name="Marius Hole" userId="640c7f4a-0705-4bef-a18e-190e1e8ea9fa" providerId="ADAL" clId="{334E00DB-73A3-4C66-B5F9-E1F69874C6AB}" dt="2021-01-06T19:21:16.533" v="1136" actId="255"/>
-        <pc:sldMkLst>
-          <pc:docMk/>
-          <pc:sldMk cId="3936969087" sldId="381"/>
-        </pc:sldMkLst>
-        <pc:spChg chg="mod">
-          <ac:chgData name="Marius Hole" userId="640c7f4a-0705-4bef-a18e-190e1e8ea9fa" providerId="ADAL" clId="{334E00DB-73A3-4C66-B5F9-E1F69874C6AB}" dt="2021-01-06T18:49:44.268" v="223"/>
-          <ac:spMkLst>
-            <pc:docMk/>
-            <pc:sldMk cId="3936969087" sldId="381"/>
-            <ac:spMk id="2" creationId="{E930D958-96C8-44C0-926C-3021A53D08A3}"/>
-          </ac:spMkLst>
-        </pc:spChg>
-        <pc:spChg chg="mod">
-          <ac:chgData name="Marius Hole" userId="640c7f4a-0705-4bef-a18e-190e1e8ea9fa" providerId="ADAL" clId="{334E00DB-73A3-4C66-B5F9-E1F69874C6AB}" dt="2021-01-06T19:21:16.533" v="1136" actId="255"/>
-          <ac:spMkLst>
-            <pc:docMk/>
-            <pc:sldMk cId="3936969087" sldId="381"/>
-            <ac:spMk id="3" creationId="{BC48574D-236C-40BA-AB9B-2BFEF0FE443B}"/>
-          </ac:spMkLst>
-        </pc:spChg>
+        <pc:chgData name="Marius Hole" userId="640c7f4a-0705-4bef-a18e-190e1e8ea9fa" providerId="ADAL" clId="{117DEA86-0DAF-4750-9E6B-621DF0F7E3F7}" dt="2021-01-24T18:58:22.336" v="35" actId="47"/>
+        <pc:sldMkLst>
+          <pc:docMk/>
+          <pc:sldMk cId="2846337608" sldId="389"/>
+        </pc:sldMkLst>
+      </pc:sldChg>
+      <pc:sldChg chg="add">
+        <pc:chgData name="Marius Hole" userId="640c7f4a-0705-4bef-a18e-190e1e8ea9fa" providerId="ADAL" clId="{117DEA86-0DAF-4750-9E6B-621DF0F7E3F7}" dt="2021-01-24T19:38:17.608" v="145" actId="22"/>
+        <pc:sldMkLst>
+          <pc:docMk/>
+          <pc:sldMk cId="3900842098" sldId="389"/>
+        </pc:sldMkLst>
       </pc:sldChg>
       <pc:sldChg chg="del">
-        <pc:chgData name="Marius Hole" userId="640c7f4a-0705-4bef-a18e-190e1e8ea9fa" providerId="ADAL" clId="{334E00DB-73A3-4C66-B5F9-E1F69874C6AB}" dt="2021-01-06T18:13:30.060" v="0" actId="47"/>
-        <pc:sldMkLst>
-          <pc:docMk/>
-          <pc:sldMk cId="1822421915" sldId="382"/>
-        </pc:sldMkLst>
-      </pc:sldChg>
-      <pc:sldChg chg="addSp modSp add mod">
-        <pc:chgData name="Marius Hole" userId="640c7f4a-0705-4bef-a18e-190e1e8ea9fa" providerId="ADAL" clId="{334E00DB-73A3-4C66-B5F9-E1F69874C6AB}" dt="2021-01-06T19:12:03.869" v="591" actId="22"/>
-        <pc:sldMkLst>
-          <pc:docMk/>
-          <pc:sldMk cId="3962111285" sldId="382"/>
-        </pc:sldMkLst>
-        <pc:spChg chg="mod">
-          <ac:chgData name="Marius Hole" userId="640c7f4a-0705-4bef-a18e-190e1e8ea9fa" providerId="ADAL" clId="{334E00DB-73A3-4C66-B5F9-E1F69874C6AB}" dt="2021-01-06T18:49:56.657" v="225"/>
-          <ac:spMkLst>
-            <pc:docMk/>
-            <pc:sldMk cId="3962111285" sldId="382"/>
-            <ac:spMk id="2" creationId="{E930D958-96C8-44C0-926C-3021A53D08A3}"/>
-          </ac:spMkLst>
-        </pc:spChg>
-        <pc:spChg chg="mod">
-          <ac:chgData name="Marius Hole" userId="640c7f4a-0705-4bef-a18e-190e1e8ea9fa" providerId="ADAL" clId="{334E00DB-73A3-4C66-B5F9-E1F69874C6AB}" dt="2021-01-06T18:54:01.143" v="236" actId="20577"/>
-          <ac:spMkLst>
-            <pc:docMk/>
-            <pc:sldMk cId="3962111285" sldId="382"/>
-            <ac:spMk id="3" creationId="{BC48574D-236C-40BA-AB9B-2BFEF0FE443B}"/>
-          </ac:spMkLst>
-        </pc:spChg>
-        <pc:picChg chg="add">
-          <ac:chgData name="Marius Hole" userId="640c7f4a-0705-4bef-a18e-190e1e8ea9fa" providerId="ADAL" clId="{334E00DB-73A3-4C66-B5F9-E1F69874C6AB}" dt="2021-01-06T19:12:03.869" v="591" actId="22"/>
+        <pc:chgData name="Marius Hole" userId="640c7f4a-0705-4bef-a18e-190e1e8ea9fa" providerId="ADAL" clId="{117DEA86-0DAF-4750-9E6B-621DF0F7E3F7}" dt="2021-01-24T18:58:22.336" v="35" actId="47"/>
+        <pc:sldMkLst>
+          <pc:docMk/>
+          <pc:sldMk cId="2496166653" sldId="390"/>
+        </pc:sldMkLst>
+      </pc:sldChg>
+      <pc:sldChg chg="ord">
+        <pc:chgData name="Marius Hole" userId="640c7f4a-0705-4bef-a18e-190e1e8ea9fa" providerId="ADAL" clId="{117DEA86-0DAF-4750-9E6B-621DF0F7E3F7}" dt="2021-01-25T07:18:29.431" v="336"/>
+        <pc:sldMkLst>
+          <pc:docMk/>
+          <pc:sldMk cId="4055289116" sldId="390"/>
+        </pc:sldMkLst>
+      </pc:sldChg>
+      <pc:sldChg chg="modSp ord">
+        <pc:chgData name="Marius Hole" userId="640c7f4a-0705-4bef-a18e-190e1e8ea9fa" providerId="ADAL" clId="{117DEA86-0DAF-4750-9E6B-621DF0F7E3F7}" dt="2021-01-25T06:09:57.719" v="335"/>
+        <pc:sldMkLst>
+          <pc:docMk/>
+          <pc:sldMk cId="936531885" sldId="391"/>
+        </pc:sldMkLst>
+        <pc:picChg chg="mod">
+          <ac:chgData name="Marius Hole" userId="640c7f4a-0705-4bef-a18e-190e1e8ea9fa" providerId="ADAL" clId="{117DEA86-0DAF-4750-9E6B-621DF0F7E3F7}" dt="2021-01-25T06:07:10.164" v="333" actId="1038"/>
           <ac:picMkLst>
             <pc:docMk/>
-            <pc:sldMk cId="3962111285" sldId="382"/>
-            <ac:picMk id="6" creationId="{D29C994D-05DB-4EF4-BA77-6C4452F92C87}"/>
+            <pc:sldMk cId="936531885" sldId="391"/>
+            <ac:picMk id="1026" creationId="{93215166-91A9-4604-9A78-7E7468BC7323}"/>
           </ac:picMkLst>
         </pc:picChg>
       </pc:sldChg>
-      <pc:sldChg chg="del">
-        <pc:chgData name="Marius Hole" userId="640c7f4a-0705-4bef-a18e-190e1e8ea9fa" providerId="ADAL" clId="{334E00DB-73A3-4C66-B5F9-E1F69874C6AB}" dt="2021-01-06T18:13:30.060" v="0" actId="47"/>
-        <pc:sldMkLst>
-          <pc:docMk/>
-          <pc:sldMk cId="2459803469" sldId="383"/>
-        </pc:sldMkLst>
-      </pc:sldChg>
-      <pc:sldChg chg="modSp add mod ord">
-        <pc:chgData name="Marius Hole" userId="640c7f4a-0705-4bef-a18e-190e1e8ea9fa" providerId="ADAL" clId="{334E00DB-73A3-4C66-B5F9-E1F69874C6AB}" dt="2021-01-06T19:21:56.194" v="1138"/>
-        <pc:sldMkLst>
-          <pc:docMk/>
-          <pc:sldMk cId="2497512606" sldId="383"/>
-        </pc:sldMkLst>
-        <pc:spChg chg="mod">
-          <ac:chgData name="Marius Hole" userId="640c7f4a-0705-4bef-a18e-190e1e8ea9fa" providerId="ADAL" clId="{334E00DB-73A3-4C66-B5F9-E1F69874C6AB}" dt="2021-01-06T18:50:06.622" v="227"/>
-          <ac:spMkLst>
-            <pc:docMk/>
-            <pc:sldMk cId="2497512606" sldId="383"/>
-            <ac:spMk id="2" creationId="{E930D958-96C8-44C0-926C-3021A53D08A3}"/>
-          </ac:spMkLst>
-        </pc:spChg>
-        <pc:spChg chg="mod">
-          <ac:chgData name="Marius Hole" userId="640c7f4a-0705-4bef-a18e-190e1e8ea9fa" providerId="ADAL" clId="{334E00DB-73A3-4C66-B5F9-E1F69874C6AB}" dt="2021-01-06T19:14:15.905" v="813" actId="20577"/>
-          <ac:spMkLst>
-            <pc:docMk/>
-            <pc:sldMk cId="2497512606" sldId="383"/>
-            <ac:spMk id="3" creationId="{BC48574D-236C-40BA-AB9B-2BFEF0FE443B}"/>
-          </ac:spMkLst>
-        </pc:spChg>
-      </pc:sldChg>
-      <pc:sldChg chg="del">
-        <pc:chgData name="Marius Hole" userId="640c7f4a-0705-4bef-a18e-190e1e8ea9fa" providerId="ADAL" clId="{334E00DB-73A3-4C66-B5F9-E1F69874C6AB}" dt="2021-01-06T18:13:30.060" v="0" actId="47"/>
-        <pc:sldMkLst>
-          <pc:docMk/>
-          <pc:sldMk cId="577501438" sldId="384"/>
-        </pc:sldMkLst>
-      </pc:sldChg>
-      <pc:sldChg chg="addSp modSp add mod">
-        <pc:chgData name="Marius Hole" userId="640c7f4a-0705-4bef-a18e-190e1e8ea9fa" providerId="ADAL" clId="{334E00DB-73A3-4C66-B5F9-E1F69874C6AB}" dt="2021-01-06T19:16:29.432" v="928" actId="1036"/>
-        <pc:sldMkLst>
-          <pc:docMk/>
-          <pc:sldMk cId="4253442726" sldId="384"/>
-        </pc:sldMkLst>
-        <pc:spChg chg="mod">
-          <ac:chgData name="Marius Hole" userId="640c7f4a-0705-4bef-a18e-190e1e8ea9fa" providerId="ADAL" clId="{334E00DB-73A3-4C66-B5F9-E1F69874C6AB}" dt="2021-01-06T18:50:16.614" v="229"/>
-          <ac:spMkLst>
-            <pc:docMk/>
-            <pc:sldMk cId="4253442726" sldId="384"/>
-            <ac:spMk id="2" creationId="{E930D958-96C8-44C0-926C-3021A53D08A3}"/>
-          </ac:spMkLst>
-        </pc:spChg>
-        <pc:spChg chg="mod">
-          <ac:chgData name="Marius Hole" userId="640c7f4a-0705-4bef-a18e-190e1e8ea9fa" providerId="ADAL" clId="{334E00DB-73A3-4C66-B5F9-E1F69874C6AB}" dt="2021-01-06T19:15:22.974" v="823" actId="20577"/>
-          <ac:spMkLst>
-            <pc:docMk/>
-            <pc:sldMk cId="4253442726" sldId="384"/>
-            <ac:spMk id="3" creationId="{BC48574D-236C-40BA-AB9B-2BFEF0FE443B}"/>
-          </ac:spMkLst>
-        </pc:spChg>
-        <pc:picChg chg="add mod">
-          <ac:chgData name="Marius Hole" userId="640c7f4a-0705-4bef-a18e-190e1e8ea9fa" providerId="ADAL" clId="{334E00DB-73A3-4C66-B5F9-E1F69874C6AB}" dt="2021-01-06T19:16:14.767" v="850" actId="1035"/>
+      <pc:sldChg chg="addSp">
+        <pc:chgData name="Marius Hole" userId="640c7f4a-0705-4bef-a18e-190e1e8ea9fa" providerId="ADAL" clId="{117DEA86-0DAF-4750-9E6B-621DF0F7E3F7}" dt="2021-01-25T06:05:52.384" v="280"/>
+        <pc:sldMkLst>
+          <pc:docMk/>
+          <pc:sldMk cId="4241594615" sldId="391"/>
+        </pc:sldMkLst>
+        <pc:picChg chg="add">
+          <ac:chgData name="Marius Hole" userId="640c7f4a-0705-4bef-a18e-190e1e8ea9fa" providerId="ADAL" clId="{117DEA86-0DAF-4750-9E6B-621DF0F7E3F7}" dt="2021-01-25T06:05:52.384" v="280"/>
           <ac:picMkLst>
             <pc:docMk/>
-            <pc:sldMk cId="4253442726" sldId="384"/>
-            <ac:picMk id="6" creationId="{97938470-CC33-4034-AFF7-598CED5954B4}"/>
+            <pc:sldMk cId="4241594615" sldId="391"/>
+            <ac:picMk id="1026" creationId="{93215166-91A9-4604-9A78-7E7468BC7323}"/>
           </ac:picMkLst>
         </pc:picChg>
-        <pc:picChg chg="add mod">
-          <ac:chgData name="Marius Hole" userId="640c7f4a-0705-4bef-a18e-190e1e8ea9fa" providerId="ADAL" clId="{334E00DB-73A3-4C66-B5F9-E1F69874C6AB}" dt="2021-01-06T19:16:29.432" v="928" actId="1036"/>
-          <ac:picMkLst>
-            <pc:docMk/>
-            <pc:sldMk cId="4253442726" sldId="384"/>
-            <ac:picMk id="8" creationId="{556CA2DD-D489-4DCB-A783-4868B20A54D9}"/>
-          </ac:picMkLst>
-        </pc:picChg>
-      </pc:sldChg>
-      <pc:sldChg chg="modSp add mod">
-        <pc:chgData name="Marius Hole" userId="640c7f4a-0705-4bef-a18e-190e1e8ea9fa" providerId="ADAL" clId="{334E00DB-73A3-4C66-B5F9-E1F69874C6AB}" dt="2021-01-06T19:18:08.752" v="1027" actId="20577"/>
-        <pc:sldMkLst>
-          <pc:docMk/>
-          <pc:sldMk cId="1602860480" sldId="385"/>
-        </pc:sldMkLst>
-        <pc:spChg chg="mod">
-          <ac:chgData name="Marius Hole" userId="640c7f4a-0705-4bef-a18e-190e1e8ea9fa" providerId="ADAL" clId="{334E00DB-73A3-4C66-B5F9-E1F69874C6AB}" dt="2021-01-06T18:50:25.508" v="231"/>
-          <ac:spMkLst>
-            <pc:docMk/>
-            <pc:sldMk cId="1602860480" sldId="385"/>
-            <ac:spMk id="2" creationId="{E930D958-96C8-44C0-926C-3021A53D08A3}"/>
-          </ac:spMkLst>
-        </pc:spChg>
-        <pc:spChg chg="mod">
-          <ac:chgData name="Marius Hole" userId="640c7f4a-0705-4bef-a18e-190e1e8ea9fa" providerId="ADAL" clId="{334E00DB-73A3-4C66-B5F9-E1F69874C6AB}" dt="2021-01-06T19:18:08.752" v="1027" actId="20577"/>
-          <ac:spMkLst>
-            <pc:docMk/>
-            <pc:sldMk cId="1602860480" sldId="385"/>
-            <ac:spMk id="3" creationId="{BC48574D-236C-40BA-AB9B-2BFEF0FE443B}"/>
-          </ac:spMkLst>
-        </pc:spChg>
-      </pc:sldChg>
-      <pc:sldChg chg="del">
-        <pc:chgData name="Marius Hole" userId="640c7f4a-0705-4bef-a18e-190e1e8ea9fa" providerId="ADAL" clId="{334E00DB-73A3-4C66-B5F9-E1F69874C6AB}" dt="2021-01-06T18:13:30.060" v="0" actId="47"/>
-        <pc:sldMkLst>
-          <pc:docMk/>
-          <pc:sldMk cId="2073677069" sldId="385"/>
-        </pc:sldMkLst>
-      </pc:sldChg>
-      <pc:sldChg chg="del">
-        <pc:chgData name="Marius Hole" userId="640c7f4a-0705-4bef-a18e-190e1e8ea9fa" providerId="ADAL" clId="{334E00DB-73A3-4C66-B5F9-E1F69874C6AB}" dt="2021-01-06T18:13:30.060" v="0" actId="47"/>
-        <pc:sldMkLst>
-          <pc:docMk/>
-          <pc:sldMk cId="603924555" sldId="386"/>
-        </pc:sldMkLst>
-      </pc:sldChg>
-      <pc:sldChg chg="del">
-        <pc:chgData name="Marius Hole" userId="640c7f4a-0705-4bef-a18e-190e1e8ea9fa" providerId="ADAL" clId="{334E00DB-73A3-4C66-B5F9-E1F69874C6AB}" dt="2021-01-06T18:13:30.060" v="0" actId="47"/>
-        <pc:sldMkLst>
-          <pc:docMk/>
-          <pc:sldMk cId="3587055991" sldId="387"/>
-        </pc:sldMkLst>
-      </pc:sldChg>
-      <pc:sldChg chg="del">
-        <pc:chgData name="Marius Hole" userId="640c7f4a-0705-4bef-a18e-190e1e8ea9fa" providerId="ADAL" clId="{334E00DB-73A3-4C66-B5F9-E1F69874C6AB}" dt="2021-01-06T18:13:30.060" v="0" actId="47"/>
-        <pc:sldMkLst>
-          <pc:docMk/>
-          <pc:sldMk cId="1563450011" sldId="388"/>
-        </pc:sldMkLst>
-      </pc:sldChg>
-    </pc:docChg>
-  </pc:docChgLst>
-  <pc:docChgLst>
-    <pc:chgData name="Marius Hole" userId="640c7f4a-0705-4bef-a18e-190e1e8ea9fa" providerId="ADAL" clId="{03CCA8CE-B5A5-46F6-A122-F34E93E457F2}"/>
-    <pc:docChg chg="undo custSel addSld delSld modSld sldOrd">
-      <pc:chgData name="Marius Hole" userId="640c7f4a-0705-4bef-a18e-190e1e8ea9fa" providerId="ADAL" clId="{03CCA8CE-B5A5-46F6-A122-F34E93E457F2}" dt="2021-05-19T11:14:14.144" v="18" actId="47"/>
-      <pc:docMkLst>
-        <pc:docMk/>
-      </pc:docMkLst>
-      <pc:sldChg chg="add del">
-        <pc:chgData name="Marius Hole" userId="640c7f4a-0705-4bef-a18e-190e1e8ea9fa" providerId="ADAL" clId="{03CCA8CE-B5A5-46F6-A122-F34E93E457F2}" dt="2021-05-19T11:04:23.068" v="15" actId="47"/>
-        <pc:sldMkLst>
-          <pc:docMk/>
-          <pc:sldMk cId="2929233815" sldId="376"/>
-        </pc:sldMkLst>
-      </pc:sldChg>
-      <pc:sldChg chg="del">
-        <pc:chgData name="Marius Hole" userId="640c7f4a-0705-4bef-a18e-190e1e8ea9fa" providerId="ADAL" clId="{03CCA8CE-B5A5-46F6-A122-F34E93E457F2}" dt="2021-05-19T11:03:07.199" v="0" actId="47"/>
-        <pc:sldMkLst>
-          <pc:docMk/>
-          <pc:sldMk cId="4019874596" sldId="382"/>
-        </pc:sldMkLst>
-      </pc:sldChg>
-      <pc:sldChg chg="add del">
-        <pc:chgData name="Marius Hole" userId="640c7f4a-0705-4bef-a18e-190e1e8ea9fa" providerId="ADAL" clId="{03CCA8CE-B5A5-46F6-A122-F34E93E457F2}" dt="2021-05-19T11:04:14.672" v="8" actId="47"/>
-        <pc:sldMkLst>
-          <pc:docMk/>
-          <pc:sldMk cId="2366304937" sldId="383"/>
-        </pc:sldMkLst>
-      </pc:sldChg>
-      <pc:sldChg chg="del">
-        <pc:chgData name="Marius Hole" userId="640c7f4a-0705-4bef-a18e-190e1e8ea9fa" providerId="ADAL" clId="{03CCA8CE-B5A5-46F6-A122-F34E93E457F2}" dt="2021-05-19T11:14:14.144" v="18" actId="47"/>
-        <pc:sldMkLst>
-          <pc:docMk/>
-          <pc:sldMk cId="695896064" sldId="386"/>
-        </pc:sldMkLst>
-      </pc:sldChg>
-      <pc:sldChg chg="del">
-        <pc:chgData name="Marius Hole" userId="640c7f4a-0705-4bef-a18e-190e1e8ea9fa" providerId="ADAL" clId="{03CCA8CE-B5A5-46F6-A122-F34E93E457F2}" dt="2021-05-19T11:14:14.144" v="18" actId="47"/>
-        <pc:sldMkLst>
-          <pc:docMk/>
-          <pc:sldMk cId="1176789328" sldId="387"/>
-        </pc:sldMkLst>
       </pc:sldChg>
       <pc:sldChg chg="ord">
-        <pc:chgData name="Marius Hole" userId="640c7f4a-0705-4bef-a18e-190e1e8ea9fa" providerId="ADAL" clId="{03CCA8CE-B5A5-46F6-A122-F34E93E457F2}" dt="2021-05-19T11:04:30.277" v="17"/>
+        <pc:chgData name="Marius Hole" userId="640c7f4a-0705-4bef-a18e-190e1e8ea9fa" providerId="ADAL" clId="{117DEA86-0DAF-4750-9E6B-621DF0F7E3F7}" dt="2021-01-25T06:09:56.009" v="334"/>
         <pc:sldMkLst>
           <pc:docMk/>
           <pc:sldMk cId="393997522" sldId="392"/>
         </pc:sldMkLst>
       </pc:sldChg>
-      <pc:sldChg chg="add del">
-        <pc:chgData name="Marius Hole" userId="640c7f4a-0705-4bef-a18e-190e1e8ea9fa" providerId="ADAL" clId="{03CCA8CE-B5A5-46F6-A122-F34E93E457F2}" dt="2021-05-19T11:04:16.646" v="13" actId="47"/>
-        <pc:sldMkLst>
-          <pc:docMk/>
-          <pc:sldMk cId="2631658248" sldId="399"/>
-        </pc:sldMkLst>
-      </pc:sldChg>
-      <pc:sldChg chg="del">
-        <pc:chgData name="Marius Hole" userId="640c7f4a-0705-4bef-a18e-190e1e8ea9fa" providerId="ADAL" clId="{03CCA8CE-B5A5-46F6-A122-F34E93E457F2}" dt="2021-05-19T11:14:14.144" v="18" actId="47"/>
-        <pc:sldMkLst>
-          <pc:docMk/>
-          <pc:sldMk cId="2385774935" sldId="400"/>
-        </pc:sldMkLst>
-      </pc:sldChg>
-      <pc:sldChg chg="del">
-        <pc:chgData name="Marius Hole" userId="640c7f4a-0705-4bef-a18e-190e1e8ea9fa" providerId="ADAL" clId="{03CCA8CE-B5A5-46F6-A122-F34E93E457F2}" dt="2021-05-19T11:14:14.144" v="18" actId="47"/>
-        <pc:sldMkLst>
-          <pc:docMk/>
-          <pc:sldMk cId="3241488928" sldId="401"/>
-        </pc:sldMkLst>
-      </pc:sldChg>
-      <pc:sldChg chg="del">
-        <pc:chgData name="Marius Hole" userId="640c7f4a-0705-4bef-a18e-190e1e8ea9fa" providerId="ADAL" clId="{03CCA8CE-B5A5-46F6-A122-F34E93E457F2}" dt="2021-05-19T11:14:14.144" v="18" actId="47"/>
-        <pc:sldMkLst>
-          <pc:docMk/>
-          <pc:sldMk cId="2537510054" sldId="402"/>
-        </pc:sldMkLst>
-      </pc:sldChg>
-      <pc:sldChg chg="del">
-        <pc:chgData name="Marius Hole" userId="640c7f4a-0705-4bef-a18e-190e1e8ea9fa" providerId="ADAL" clId="{03CCA8CE-B5A5-46F6-A122-F34E93E457F2}" dt="2021-05-19T11:14:14.144" v="18" actId="47"/>
-        <pc:sldMkLst>
-          <pc:docMk/>
-          <pc:sldMk cId="4125824841" sldId="403"/>
-        </pc:sldMkLst>
-      </pc:sldChg>
-      <pc:sldChg chg="del">
-        <pc:chgData name="Marius Hole" userId="640c7f4a-0705-4bef-a18e-190e1e8ea9fa" providerId="ADAL" clId="{03CCA8CE-B5A5-46F6-A122-F34E93E457F2}" dt="2021-05-19T11:14:14.144" v="18" actId="47"/>
-        <pc:sldMkLst>
-          <pc:docMk/>
-          <pc:sldMk cId="427585213" sldId="404"/>
-        </pc:sldMkLst>
-      </pc:sldChg>
-      <pc:sldChg chg="del">
-        <pc:chgData name="Marius Hole" userId="640c7f4a-0705-4bef-a18e-190e1e8ea9fa" providerId="ADAL" clId="{03CCA8CE-B5A5-46F6-A122-F34E93E457F2}" dt="2021-05-19T11:14:14.144" v="18" actId="47"/>
-        <pc:sldMkLst>
-          <pc:docMk/>
-          <pc:sldMk cId="2060808739" sldId="405"/>
-        </pc:sldMkLst>
-      </pc:sldChg>
-      <pc:sldChg chg="add del">
-        <pc:chgData name="Marius Hole" userId="640c7f4a-0705-4bef-a18e-190e1e8ea9fa" providerId="ADAL" clId="{03CCA8CE-B5A5-46F6-A122-F34E93E457F2}" dt="2021-05-19T11:04:16.063" v="12" actId="47"/>
-        <pc:sldMkLst>
-          <pc:docMk/>
-          <pc:sldMk cId="168297172" sldId="406"/>
-        </pc:sldMkLst>
-      </pc:sldChg>
-      <pc:sldChg chg="add del">
-        <pc:chgData name="Marius Hole" userId="640c7f4a-0705-4bef-a18e-190e1e8ea9fa" providerId="ADAL" clId="{03CCA8CE-B5A5-46F6-A122-F34E93E457F2}" dt="2021-05-19T11:04:15.414" v="11" actId="47"/>
-        <pc:sldMkLst>
-          <pc:docMk/>
-          <pc:sldMk cId="3017142941" sldId="407"/>
-        </pc:sldMkLst>
-      </pc:sldChg>
-      <pc:sldChg chg="add del">
-        <pc:chgData name="Marius Hole" userId="640c7f4a-0705-4bef-a18e-190e1e8ea9fa" providerId="ADAL" clId="{03CCA8CE-B5A5-46F6-A122-F34E93E457F2}" dt="2021-05-19T11:04:15.237" v="10" actId="47"/>
-        <pc:sldMkLst>
-          <pc:docMk/>
-          <pc:sldMk cId="3392729381" sldId="408"/>
-        </pc:sldMkLst>
-      </pc:sldChg>
-      <pc:sldChg chg="add del">
-        <pc:chgData name="Marius Hole" userId="640c7f4a-0705-4bef-a18e-190e1e8ea9fa" providerId="ADAL" clId="{03CCA8CE-B5A5-46F6-A122-F34E93E457F2}" dt="2021-05-19T11:04:15.069" v="9" actId="47"/>
-        <pc:sldMkLst>
-          <pc:docMk/>
-          <pc:sldMk cId="2803065246" sldId="409"/>
+      <pc:sldChg chg="ord">
+        <pc:chgData name="Marius Hole" userId="640c7f4a-0705-4bef-a18e-190e1e8ea9fa" providerId="ADAL" clId="{117DEA86-0DAF-4750-9E6B-621DF0F7E3F7}" dt="2021-01-25T16:14:46.678" v="337"/>
+        <pc:sldMkLst>
+          <pc:docMk/>
+          <pc:sldMk cId="3711034169" sldId="394"/>
         </pc:sldMkLst>
       </pc:sldChg>
     </pc:docChg>
@@ -2647,359 +3000,6 @@
             <ac:picMk id="6" creationId="{7E5F6AAC-2159-42C6-94E1-2E6A14BB085C}"/>
           </ac:picMkLst>
         </pc:picChg>
-      </pc:sldChg>
-    </pc:docChg>
-  </pc:docChgLst>
-  <pc:docChgLst>
-    <pc:chgData name="Marius Hole" userId="640c7f4a-0705-4bef-a18e-190e1e8ea9fa" providerId="ADAL" clId="{117DEA86-0DAF-4750-9E6B-621DF0F7E3F7}"/>
-    <pc:docChg chg="undo redo custSel addSld delSld modSld sldOrd">
-      <pc:chgData name="Marius Hole" userId="640c7f4a-0705-4bef-a18e-190e1e8ea9fa" providerId="ADAL" clId="{117DEA86-0DAF-4750-9E6B-621DF0F7E3F7}" dt="2021-01-25T16:14:46.678" v="337"/>
-      <pc:docMkLst>
-        <pc:docMk/>
-      </pc:docMkLst>
-      <pc:sldChg chg="modSp mod">
-        <pc:chgData name="Marius Hole" userId="640c7f4a-0705-4bef-a18e-190e1e8ea9fa" providerId="ADAL" clId="{117DEA86-0DAF-4750-9E6B-621DF0F7E3F7}" dt="2021-01-24T18:57:04.884" v="33" actId="20577"/>
-        <pc:sldMkLst>
-          <pc:docMk/>
-          <pc:sldMk cId="2929233815" sldId="376"/>
-        </pc:sldMkLst>
-        <pc:spChg chg="mod">
-          <ac:chgData name="Marius Hole" userId="640c7f4a-0705-4bef-a18e-190e1e8ea9fa" providerId="ADAL" clId="{117DEA86-0DAF-4750-9E6B-621DF0F7E3F7}" dt="2021-01-24T18:57:04.884" v="33" actId="20577"/>
-          <ac:spMkLst>
-            <pc:docMk/>
-            <pc:sldMk cId="2929233815" sldId="376"/>
-            <ac:spMk id="3" creationId="{BC48574D-236C-40BA-AB9B-2BFEF0FE443B}"/>
-          </ac:spMkLst>
-        </pc:spChg>
-      </pc:sldChg>
-      <pc:sldChg chg="del">
-        <pc:chgData name="Marius Hole" userId="640c7f4a-0705-4bef-a18e-190e1e8ea9fa" providerId="ADAL" clId="{117DEA86-0DAF-4750-9E6B-621DF0F7E3F7}" dt="2021-01-24T18:58:22.336" v="35" actId="47"/>
-        <pc:sldMkLst>
-          <pc:docMk/>
-          <pc:sldMk cId="3915907644" sldId="379"/>
-        </pc:sldMkLst>
-      </pc:sldChg>
-      <pc:sldChg chg="del">
-        <pc:chgData name="Marius Hole" userId="640c7f4a-0705-4bef-a18e-190e1e8ea9fa" providerId="ADAL" clId="{117DEA86-0DAF-4750-9E6B-621DF0F7E3F7}" dt="2021-01-24T18:58:22.336" v="35" actId="47"/>
-        <pc:sldMkLst>
-          <pc:docMk/>
-          <pc:sldMk cId="3569898867" sldId="380"/>
-        </pc:sldMkLst>
-      </pc:sldChg>
-      <pc:sldChg chg="del">
-        <pc:chgData name="Marius Hole" userId="640c7f4a-0705-4bef-a18e-190e1e8ea9fa" providerId="ADAL" clId="{117DEA86-0DAF-4750-9E6B-621DF0F7E3F7}" dt="2021-01-24T18:58:22.336" v="35" actId="47"/>
-        <pc:sldMkLst>
-          <pc:docMk/>
-          <pc:sldMk cId="1669615239" sldId="381"/>
-        </pc:sldMkLst>
-      </pc:sldChg>
-      <pc:sldChg chg="addSp delSp modSp mod">
-        <pc:chgData name="Marius Hole" userId="640c7f4a-0705-4bef-a18e-190e1e8ea9fa" providerId="ADAL" clId="{117DEA86-0DAF-4750-9E6B-621DF0F7E3F7}" dt="2021-01-24T19:39:25.409" v="279" actId="1038"/>
-        <pc:sldMkLst>
-          <pc:docMk/>
-          <pc:sldMk cId="4019874596" sldId="382"/>
-        </pc:sldMkLst>
-        <pc:spChg chg="mod">
-          <ac:chgData name="Marius Hole" userId="640c7f4a-0705-4bef-a18e-190e1e8ea9fa" providerId="ADAL" clId="{117DEA86-0DAF-4750-9E6B-621DF0F7E3F7}" dt="2021-01-24T19:38:25.513" v="156" actId="20577"/>
-          <ac:spMkLst>
-            <pc:docMk/>
-            <pc:sldMk cId="4019874596" sldId="382"/>
-            <ac:spMk id="2" creationId="{E930D958-96C8-44C0-926C-3021A53D08A3}"/>
-          </ac:spMkLst>
-        </pc:spChg>
-        <pc:spChg chg="mod">
-          <ac:chgData name="Marius Hole" userId="640c7f4a-0705-4bef-a18e-190e1e8ea9fa" providerId="ADAL" clId="{117DEA86-0DAF-4750-9E6B-621DF0F7E3F7}" dt="2021-01-24T19:38:56.228" v="233" actId="242"/>
-          <ac:spMkLst>
-            <pc:docMk/>
-            <pc:sldMk cId="4019874596" sldId="382"/>
-            <ac:spMk id="3" creationId="{BC48574D-236C-40BA-AB9B-2BFEF0FE443B}"/>
-          </ac:spMkLst>
-        </pc:spChg>
-        <pc:picChg chg="add mod">
-          <ac:chgData name="Marius Hole" userId="640c7f4a-0705-4bef-a18e-190e1e8ea9fa" providerId="ADAL" clId="{117DEA86-0DAF-4750-9E6B-621DF0F7E3F7}" dt="2021-01-24T19:39:25.409" v="279" actId="1038"/>
-          <ac:picMkLst>
-            <pc:docMk/>
-            <pc:sldMk cId="4019874596" sldId="382"/>
-            <ac:picMk id="6" creationId="{5A0CE20C-ABA7-4370-A69B-4E9FA8A39CDB}"/>
-          </ac:picMkLst>
-        </pc:picChg>
-        <pc:picChg chg="del">
-          <ac:chgData name="Marius Hole" userId="640c7f4a-0705-4bef-a18e-190e1e8ea9fa" providerId="ADAL" clId="{117DEA86-0DAF-4750-9E6B-621DF0F7E3F7}" dt="2021-01-24T18:58:13.174" v="34" actId="478"/>
-          <ac:picMkLst>
-            <pc:docMk/>
-            <pc:sldMk cId="4019874596" sldId="382"/>
-            <ac:picMk id="1026" creationId="{508F9711-773C-494C-AE94-08CFF835B14F}"/>
-          </ac:picMkLst>
-        </pc:picChg>
-      </pc:sldChg>
-      <pc:sldChg chg="del">
-        <pc:chgData name="Marius Hole" userId="640c7f4a-0705-4bef-a18e-190e1e8ea9fa" providerId="ADAL" clId="{117DEA86-0DAF-4750-9E6B-621DF0F7E3F7}" dt="2021-01-24T18:58:22.336" v="35" actId="47"/>
-        <pc:sldMkLst>
-          <pc:docMk/>
-          <pc:sldMk cId="479420297" sldId="383"/>
-        </pc:sldMkLst>
-      </pc:sldChg>
-      <pc:sldChg chg="modSp add mod">
-        <pc:chgData name="Marius Hole" userId="640c7f4a-0705-4bef-a18e-190e1e8ea9fa" providerId="ADAL" clId="{117DEA86-0DAF-4750-9E6B-621DF0F7E3F7}" dt="2021-01-24T18:59:12.849" v="51" actId="20577"/>
-        <pc:sldMkLst>
-          <pc:docMk/>
-          <pc:sldMk cId="2366304937" sldId="383"/>
-        </pc:sldMkLst>
-        <pc:spChg chg="mod">
-          <ac:chgData name="Marius Hole" userId="640c7f4a-0705-4bef-a18e-190e1e8ea9fa" providerId="ADAL" clId="{117DEA86-0DAF-4750-9E6B-621DF0F7E3F7}" dt="2021-01-24T18:59:00.649" v="43"/>
-          <ac:spMkLst>
-            <pc:docMk/>
-            <pc:sldMk cId="2366304937" sldId="383"/>
-            <ac:spMk id="2" creationId="{E930D958-96C8-44C0-926C-3021A53D08A3}"/>
-          </ac:spMkLst>
-        </pc:spChg>
-        <pc:spChg chg="mod">
-          <ac:chgData name="Marius Hole" userId="640c7f4a-0705-4bef-a18e-190e1e8ea9fa" providerId="ADAL" clId="{117DEA86-0DAF-4750-9E6B-621DF0F7E3F7}" dt="2021-01-24T18:59:12.849" v="51" actId="20577"/>
-          <ac:spMkLst>
-            <pc:docMk/>
-            <pc:sldMk cId="2366304937" sldId="383"/>
-            <ac:spMk id="3" creationId="{BC48574D-236C-40BA-AB9B-2BFEF0FE443B}"/>
-          </ac:spMkLst>
-        </pc:spChg>
-      </pc:sldChg>
-      <pc:sldChg chg="addSp modSp add del mod">
-        <pc:chgData name="Marius Hole" userId="640c7f4a-0705-4bef-a18e-190e1e8ea9fa" providerId="ADAL" clId="{117DEA86-0DAF-4750-9E6B-621DF0F7E3F7}" dt="2021-01-24T19:13:04.878" v="135" actId="1035"/>
-        <pc:sldMkLst>
-          <pc:docMk/>
-          <pc:sldMk cId="1405082422" sldId="384"/>
-        </pc:sldMkLst>
-        <pc:spChg chg="mod">
-          <ac:chgData name="Marius Hole" userId="640c7f4a-0705-4bef-a18e-190e1e8ea9fa" providerId="ADAL" clId="{117DEA86-0DAF-4750-9E6B-621DF0F7E3F7}" dt="2021-01-24T18:59:22.610" v="53"/>
-          <ac:spMkLst>
-            <pc:docMk/>
-            <pc:sldMk cId="1405082422" sldId="384"/>
-            <ac:spMk id="2" creationId="{E930D958-96C8-44C0-926C-3021A53D08A3}"/>
-          </ac:spMkLst>
-        </pc:spChg>
-        <pc:spChg chg="mod">
-          <ac:chgData name="Marius Hole" userId="640c7f4a-0705-4bef-a18e-190e1e8ea9fa" providerId="ADAL" clId="{117DEA86-0DAF-4750-9E6B-621DF0F7E3F7}" dt="2021-01-24T19:11:58.300" v="126" actId="20577"/>
-          <ac:spMkLst>
-            <pc:docMk/>
-            <pc:sldMk cId="1405082422" sldId="384"/>
-            <ac:spMk id="3" creationId="{BC48574D-236C-40BA-AB9B-2BFEF0FE443B}"/>
-          </ac:spMkLst>
-        </pc:spChg>
-        <pc:picChg chg="add mod">
-          <ac:chgData name="Marius Hole" userId="640c7f4a-0705-4bef-a18e-190e1e8ea9fa" providerId="ADAL" clId="{117DEA86-0DAF-4750-9E6B-621DF0F7E3F7}" dt="2021-01-24T19:13:04.878" v="135" actId="1035"/>
-          <ac:picMkLst>
-            <pc:docMk/>
-            <pc:sldMk cId="1405082422" sldId="384"/>
-            <ac:picMk id="6" creationId="{7E5F6AAC-2159-42C6-94E1-2E6A14BB085C}"/>
-          </ac:picMkLst>
-        </pc:picChg>
-      </pc:sldChg>
-      <pc:sldChg chg="del">
-        <pc:chgData name="Marius Hole" userId="640c7f4a-0705-4bef-a18e-190e1e8ea9fa" providerId="ADAL" clId="{117DEA86-0DAF-4750-9E6B-621DF0F7E3F7}" dt="2021-01-24T18:58:22.336" v="35" actId="47"/>
-        <pc:sldMkLst>
-          <pc:docMk/>
-          <pc:sldMk cId="1970511564" sldId="384"/>
-        </pc:sldMkLst>
-      </pc:sldChg>
-      <pc:sldChg chg="addSp">
-        <pc:chgData name="Marius Hole" userId="640c7f4a-0705-4bef-a18e-190e1e8ea9fa" providerId="ADAL" clId="{117DEA86-0DAF-4750-9E6B-621DF0F7E3F7}" dt="2021-01-24T19:10:47.137" v="92"/>
-        <pc:sldMkLst>
-          <pc:docMk/>
-          <pc:sldMk cId="2251989960" sldId="384"/>
-        </pc:sldMkLst>
-        <pc:spChg chg="add">
-          <ac:chgData name="Marius Hole" userId="640c7f4a-0705-4bef-a18e-190e1e8ea9fa" providerId="ADAL" clId="{117DEA86-0DAF-4750-9E6B-621DF0F7E3F7}" dt="2021-01-24T19:10:47.137" v="92"/>
-          <ac:spMkLst>
-            <pc:docMk/>
-            <pc:sldMk cId="2251989960" sldId="384"/>
-            <ac:spMk id="5" creationId="{6818A0C9-A6DA-44FC-8D15-EDAE7233EAFE}"/>
-          </ac:spMkLst>
-        </pc:spChg>
-      </pc:sldChg>
-      <pc:sldChg chg="modSp add mod">
-        <pc:chgData name="Marius Hole" userId="640c7f4a-0705-4bef-a18e-190e1e8ea9fa" providerId="ADAL" clId="{117DEA86-0DAF-4750-9E6B-621DF0F7E3F7}" dt="2021-01-24T18:59:56.265" v="63" actId="20577"/>
-        <pc:sldMkLst>
-          <pc:docMk/>
-          <pc:sldMk cId="1006631515" sldId="385"/>
-        </pc:sldMkLst>
-        <pc:spChg chg="mod">
-          <ac:chgData name="Marius Hole" userId="640c7f4a-0705-4bef-a18e-190e1e8ea9fa" providerId="ADAL" clId="{117DEA86-0DAF-4750-9E6B-621DF0F7E3F7}" dt="2021-01-24T18:59:56.265" v="63" actId="20577"/>
-          <ac:spMkLst>
-            <pc:docMk/>
-            <pc:sldMk cId="1006631515" sldId="385"/>
-            <ac:spMk id="2" creationId="{E930D958-96C8-44C0-926C-3021A53D08A3}"/>
-          </ac:spMkLst>
-        </pc:spChg>
-        <pc:spChg chg="mod">
-          <ac:chgData name="Marius Hole" userId="640c7f4a-0705-4bef-a18e-190e1e8ea9fa" providerId="ADAL" clId="{117DEA86-0DAF-4750-9E6B-621DF0F7E3F7}" dt="2021-01-24T18:59:51.357" v="56"/>
-          <ac:spMkLst>
-            <pc:docMk/>
-            <pc:sldMk cId="1006631515" sldId="385"/>
-            <ac:spMk id="3" creationId="{BC48574D-236C-40BA-AB9B-2BFEF0FE443B}"/>
-          </ac:spMkLst>
-        </pc:spChg>
-      </pc:sldChg>
-      <pc:sldChg chg="del">
-        <pc:chgData name="Marius Hole" userId="640c7f4a-0705-4bef-a18e-190e1e8ea9fa" providerId="ADAL" clId="{117DEA86-0DAF-4750-9E6B-621DF0F7E3F7}" dt="2021-01-24T18:58:22.336" v="35" actId="47"/>
-        <pc:sldMkLst>
-          <pc:docMk/>
-          <pc:sldMk cId="2999690106" sldId="385"/>
-        </pc:sldMkLst>
-      </pc:sldChg>
-      <pc:sldChg chg="modSp add mod">
-        <pc:chgData name="Marius Hole" userId="640c7f4a-0705-4bef-a18e-190e1e8ea9fa" providerId="ADAL" clId="{117DEA86-0DAF-4750-9E6B-621DF0F7E3F7}" dt="2021-01-24T19:00:14.454" v="82" actId="20577"/>
-        <pc:sldMkLst>
-          <pc:docMk/>
-          <pc:sldMk cId="695896064" sldId="386"/>
-        </pc:sldMkLst>
-        <pc:spChg chg="mod">
-          <ac:chgData name="Marius Hole" userId="640c7f4a-0705-4bef-a18e-190e1e8ea9fa" providerId="ADAL" clId="{117DEA86-0DAF-4750-9E6B-621DF0F7E3F7}" dt="2021-01-24T19:00:06.449" v="65"/>
-          <ac:spMkLst>
-            <pc:docMk/>
-            <pc:sldMk cId="695896064" sldId="386"/>
-            <ac:spMk id="2" creationId="{E930D958-96C8-44C0-926C-3021A53D08A3}"/>
-          </ac:spMkLst>
-        </pc:spChg>
-        <pc:spChg chg="mod">
-          <ac:chgData name="Marius Hole" userId="640c7f4a-0705-4bef-a18e-190e1e8ea9fa" providerId="ADAL" clId="{117DEA86-0DAF-4750-9E6B-621DF0F7E3F7}" dt="2021-01-24T19:00:14.454" v="82" actId="20577"/>
-          <ac:spMkLst>
-            <pc:docMk/>
-            <pc:sldMk cId="695896064" sldId="386"/>
-            <ac:spMk id="3" creationId="{BC48574D-236C-40BA-AB9B-2BFEF0FE443B}"/>
-          </ac:spMkLst>
-        </pc:spChg>
-      </pc:sldChg>
-      <pc:sldChg chg="modSp add mod">
-        <pc:chgData name="Marius Hole" userId="640c7f4a-0705-4bef-a18e-190e1e8ea9fa" providerId="ADAL" clId="{117DEA86-0DAF-4750-9E6B-621DF0F7E3F7}" dt="2021-01-24T19:00:24.550" v="84"/>
-        <pc:sldMkLst>
-          <pc:docMk/>
-          <pc:sldMk cId="1176789328" sldId="387"/>
-        </pc:sldMkLst>
-        <pc:spChg chg="mod">
-          <ac:chgData name="Marius Hole" userId="640c7f4a-0705-4bef-a18e-190e1e8ea9fa" providerId="ADAL" clId="{117DEA86-0DAF-4750-9E6B-621DF0F7E3F7}" dt="2021-01-24T19:00:24.550" v="84"/>
-          <ac:spMkLst>
-            <pc:docMk/>
-            <pc:sldMk cId="1176789328" sldId="387"/>
-            <ac:spMk id="2" creationId="{E930D958-96C8-44C0-926C-3021A53D08A3}"/>
-          </ac:spMkLst>
-        </pc:spChg>
-      </pc:sldChg>
-      <pc:sldChg chg="addSp delSp modSp add mod">
-        <pc:chgData name="Marius Hole" userId="640c7f4a-0705-4bef-a18e-190e1e8ea9fa" providerId="ADAL" clId="{117DEA86-0DAF-4750-9E6B-621DF0F7E3F7}" dt="2021-01-24T19:36:42.946" v="144" actId="22"/>
-        <pc:sldMkLst>
-          <pc:docMk/>
-          <pc:sldMk cId="70511434" sldId="388"/>
-        </pc:sldMkLst>
-        <pc:spChg chg="mod">
-          <ac:chgData name="Marius Hole" userId="640c7f4a-0705-4bef-a18e-190e1e8ea9fa" providerId="ADAL" clId="{117DEA86-0DAF-4750-9E6B-621DF0F7E3F7}" dt="2021-01-24T19:13:38.795" v="141" actId="20577"/>
-          <ac:spMkLst>
-            <pc:docMk/>
-            <pc:sldMk cId="70511434" sldId="388"/>
-            <ac:spMk id="2" creationId="{E930D958-96C8-44C0-926C-3021A53D08A3}"/>
-          </ac:spMkLst>
-        </pc:spChg>
-        <pc:spChg chg="del mod">
-          <ac:chgData name="Marius Hole" userId="640c7f4a-0705-4bef-a18e-190e1e8ea9fa" providerId="ADAL" clId="{117DEA86-0DAF-4750-9E6B-621DF0F7E3F7}" dt="2021-01-24T19:36:42.946" v="144" actId="22"/>
-          <ac:spMkLst>
-            <pc:docMk/>
-            <pc:sldMk cId="70511434" sldId="388"/>
-            <ac:spMk id="3" creationId="{BC48574D-236C-40BA-AB9B-2BFEF0FE443B}"/>
-          </ac:spMkLst>
-        </pc:spChg>
-        <pc:picChg chg="del">
-          <ac:chgData name="Marius Hole" userId="640c7f4a-0705-4bef-a18e-190e1e8ea9fa" providerId="ADAL" clId="{117DEA86-0DAF-4750-9E6B-621DF0F7E3F7}" dt="2021-01-24T19:36:40.220" v="142" actId="478"/>
-          <ac:picMkLst>
-            <pc:docMk/>
-            <pc:sldMk cId="70511434" sldId="388"/>
-            <ac:picMk id="6" creationId="{7E5F6AAC-2159-42C6-94E1-2E6A14BB085C}"/>
-          </ac:picMkLst>
-        </pc:picChg>
-        <pc:picChg chg="add mod ord">
-          <ac:chgData name="Marius Hole" userId="640c7f4a-0705-4bef-a18e-190e1e8ea9fa" providerId="ADAL" clId="{117DEA86-0DAF-4750-9E6B-621DF0F7E3F7}" dt="2021-01-24T19:36:42.946" v="144" actId="22"/>
-          <ac:picMkLst>
-            <pc:docMk/>
-            <pc:sldMk cId="70511434" sldId="388"/>
-            <ac:picMk id="7" creationId="{4962322C-3DB2-4768-B7A0-95135A9C78E5}"/>
-          </ac:picMkLst>
-        </pc:picChg>
-      </pc:sldChg>
-      <pc:sldChg chg="del">
-        <pc:chgData name="Marius Hole" userId="640c7f4a-0705-4bef-a18e-190e1e8ea9fa" providerId="ADAL" clId="{117DEA86-0DAF-4750-9E6B-621DF0F7E3F7}" dt="2021-01-24T18:58:22.336" v="35" actId="47"/>
-        <pc:sldMkLst>
-          <pc:docMk/>
-          <pc:sldMk cId="2520153872" sldId="388"/>
-        </pc:sldMkLst>
-      </pc:sldChg>
-      <pc:sldChg chg="del">
-        <pc:chgData name="Marius Hole" userId="640c7f4a-0705-4bef-a18e-190e1e8ea9fa" providerId="ADAL" clId="{117DEA86-0DAF-4750-9E6B-621DF0F7E3F7}" dt="2021-01-24T18:58:22.336" v="35" actId="47"/>
-        <pc:sldMkLst>
-          <pc:docMk/>
-          <pc:sldMk cId="2846337608" sldId="389"/>
-        </pc:sldMkLst>
-      </pc:sldChg>
-      <pc:sldChg chg="add">
-        <pc:chgData name="Marius Hole" userId="640c7f4a-0705-4bef-a18e-190e1e8ea9fa" providerId="ADAL" clId="{117DEA86-0DAF-4750-9E6B-621DF0F7E3F7}" dt="2021-01-24T19:38:17.608" v="145" actId="22"/>
-        <pc:sldMkLst>
-          <pc:docMk/>
-          <pc:sldMk cId="3900842098" sldId="389"/>
-        </pc:sldMkLst>
-      </pc:sldChg>
-      <pc:sldChg chg="del">
-        <pc:chgData name="Marius Hole" userId="640c7f4a-0705-4bef-a18e-190e1e8ea9fa" providerId="ADAL" clId="{117DEA86-0DAF-4750-9E6B-621DF0F7E3F7}" dt="2021-01-24T18:58:22.336" v="35" actId="47"/>
-        <pc:sldMkLst>
-          <pc:docMk/>
-          <pc:sldMk cId="2496166653" sldId="390"/>
-        </pc:sldMkLst>
-      </pc:sldChg>
-      <pc:sldChg chg="ord">
-        <pc:chgData name="Marius Hole" userId="640c7f4a-0705-4bef-a18e-190e1e8ea9fa" providerId="ADAL" clId="{117DEA86-0DAF-4750-9E6B-621DF0F7E3F7}" dt="2021-01-25T07:18:29.431" v="336"/>
-        <pc:sldMkLst>
-          <pc:docMk/>
-          <pc:sldMk cId="4055289116" sldId="390"/>
-        </pc:sldMkLst>
-      </pc:sldChg>
-      <pc:sldChg chg="modSp ord">
-        <pc:chgData name="Marius Hole" userId="640c7f4a-0705-4bef-a18e-190e1e8ea9fa" providerId="ADAL" clId="{117DEA86-0DAF-4750-9E6B-621DF0F7E3F7}" dt="2021-01-25T06:09:57.719" v="335"/>
-        <pc:sldMkLst>
-          <pc:docMk/>
-          <pc:sldMk cId="936531885" sldId="391"/>
-        </pc:sldMkLst>
-        <pc:picChg chg="mod">
-          <ac:chgData name="Marius Hole" userId="640c7f4a-0705-4bef-a18e-190e1e8ea9fa" providerId="ADAL" clId="{117DEA86-0DAF-4750-9E6B-621DF0F7E3F7}" dt="2021-01-25T06:07:10.164" v="333" actId="1038"/>
-          <ac:picMkLst>
-            <pc:docMk/>
-            <pc:sldMk cId="936531885" sldId="391"/>
-            <ac:picMk id="1026" creationId="{93215166-91A9-4604-9A78-7E7468BC7323}"/>
-          </ac:picMkLst>
-        </pc:picChg>
-      </pc:sldChg>
-      <pc:sldChg chg="addSp">
-        <pc:chgData name="Marius Hole" userId="640c7f4a-0705-4bef-a18e-190e1e8ea9fa" providerId="ADAL" clId="{117DEA86-0DAF-4750-9E6B-621DF0F7E3F7}" dt="2021-01-25T06:05:52.384" v="280"/>
-        <pc:sldMkLst>
-          <pc:docMk/>
-          <pc:sldMk cId="4241594615" sldId="391"/>
-        </pc:sldMkLst>
-        <pc:picChg chg="add">
-          <ac:chgData name="Marius Hole" userId="640c7f4a-0705-4bef-a18e-190e1e8ea9fa" providerId="ADAL" clId="{117DEA86-0DAF-4750-9E6B-621DF0F7E3F7}" dt="2021-01-25T06:05:52.384" v="280"/>
-          <ac:picMkLst>
-            <pc:docMk/>
-            <pc:sldMk cId="4241594615" sldId="391"/>
-            <ac:picMk id="1026" creationId="{93215166-91A9-4604-9A78-7E7468BC7323}"/>
-          </ac:picMkLst>
-        </pc:picChg>
-      </pc:sldChg>
-      <pc:sldChg chg="ord">
-        <pc:chgData name="Marius Hole" userId="640c7f4a-0705-4bef-a18e-190e1e8ea9fa" providerId="ADAL" clId="{117DEA86-0DAF-4750-9E6B-621DF0F7E3F7}" dt="2021-01-25T06:09:56.009" v="334"/>
-        <pc:sldMkLst>
-          <pc:docMk/>
-          <pc:sldMk cId="393997522" sldId="392"/>
-        </pc:sldMkLst>
-      </pc:sldChg>
-      <pc:sldChg chg="ord">
-        <pc:chgData name="Marius Hole" userId="640c7f4a-0705-4bef-a18e-190e1e8ea9fa" providerId="ADAL" clId="{117DEA86-0DAF-4750-9E6B-621DF0F7E3F7}" dt="2021-01-25T16:14:46.678" v="337"/>
-        <pc:sldMkLst>
-          <pc:docMk/>
-          <pc:sldMk cId="3711034169" sldId="394"/>
-        </pc:sldMkLst>
       </pc:sldChg>
     </pc:docChg>
   </pc:docChgLst>
@@ -3088,7 +3088,7 @@
           <a:p>
             <a:fld id="{D08823B3-E330-4DD2-96EE-DB1914DA4E92}" type="datetimeFigureOut">
               <a:rPr lang="en-GB"/>
-              <a:t>23/05/2021</a:t>
+              <a:t>25/05/2021</a:t>
             </a:fld>
             <a:endParaRPr lang="en-GB"/>
           </a:p>
@@ -3253,7 +3253,7 @@
           <a:p>
             <a:fld id="{2FBFD012-083A-4920-A768-D90A3AF77F02}" type="datetimeFigureOut">
               <a:rPr lang="en-GB"/>
-              <a:t>23/05/2021</a:t>
+              <a:t>25/05/2021</a:t>
             </a:fld>
             <a:endParaRPr lang="en-GB"/>
           </a:p>
@@ -12236,7 +12236,7 @@
             <a:pPr algn="ctr"/>
             <a:r>
               <a:rPr lang="no-NO" sz="3600" dirty="0"/>
-              <a:t>1 - Short term (0 – 3 mnd)</a:t>
+              <a:t>1.1 – Orchestration</a:t>
             </a:r>
             <a:endParaRPr lang="nb-NO" dirty="0"/>
           </a:p>
@@ -12281,27 +12281,6 @@
             <a:endParaRPr lang="en-US" sz="2000" dirty="0"/>
           </a:p>
           <a:p>
-            <a:r>
-              <a:rPr lang="no-NO" sz="2000" dirty="0"/>
-              <a:t>Hardware, Software &amp; License refresh</a:t>
-            </a:r>
-          </a:p>
-          <a:p>
-            <a:pPr lvl="1"/>
-            <a:r>
-              <a:rPr lang="no-NO" sz="1800" dirty="0"/>
-              <a:t>Nasjonal lab</a:t>
-            </a:r>
-          </a:p>
-          <a:p>
-            <a:pPr lvl="1"/>
-            <a:r>
-              <a:rPr lang="no-NO" sz="1800" dirty="0"/>
-              <a:t>Lokal lab</a:t>
-            </a:r>
-            <a:endParaRPr lang="en-US" sz="1800" dirty="0"/>
-          </a:p>
-          <a:p>
             <a:endParaRPr lang="en-US" sz="2000" dirty="0"/>
           </a:p>
         </p:txBody>
@@ -12331,10 +12310,78 @@
           </a:p>
         </p:txBody>
       </p:sp>
+      <p:pic>
+        <p:nvPicPr>
+          <p:cNvPr id="5" name="Picture 4">
+            <a:extLst>
+              <a:ext uri="{FF2B5EF4-FFF2-40B4-BE49-F238E27FC236}">
+                <a16:creationId xmlns:a16="http://schemas.microsoft.com/office/drawing/2014/main" id="{A14DCB17-71BB-428A-A3F3-D13EC76FE71B}"/>
+              </a:ext>
+            </a:extLst>
+          </p:cNvPr>
+          <p:cNvPicPr/>
+          <p:nvPr/>
+        </p:nvPicPr>
+        <p:blipFill>
+          <a:blip r:embed="rId2">
+            <a:extLst>
+              <a:ext uri="{28A0092B-C50C-407E-A947-70E740481C1C}">
+                <a14:useLocalDpi xmlns:a14="http://schemas.microsoft.com/office/drawing/2010/main" val="0"/>
+              </a:ext>
+            </a:extLst>
+          </a:blip>
+          <a:stretch>
+            <a:fillRect/>
+          </a:stretch>
+        </p:blipFill>
+        <p:spPr>
+          <a:xfrm>
+            <a:off x="2142325" y="858983"/>
+            <a:ext cx="7978538" cy="3863619"/>
+          </a:xfrm>
+          <a:prstGeom prst="rect">
+            <a:avLst/>
+          </a:prstGeom>
+        </p:spPr>
+      </p:pic>
+      <p:pic>
+        <p:nvPicPr>
+          <p:cNvPr id="6" name="Picture 5">
+            <a:extLst>
+              <a:ext uri="{FF2B5EF4-FFF2-40B4-BE49-F238E27FC236}">
+                <a16:creationId xmlns:a16="http://schemas.microsoft.com/office/drawing/2014/main" id="{A6F854D2-7C7D-4C1F-90A6-3EDDC63A8C38}"/>
+              </a:ext>
+            </a:extLst>
+          </p:cNvPr>
+          <p:cNvPicPr/>
+          <p:nvPr/>
+        </p:nvPicPr>
+        <p:blipFill>
+          <a:blip r:embed="rId3">
+            <a:extLst>
+              <a:ext uri="{28A0092B-C50C-407E-A947-70E740481C1C}">
+                <a14:useLocalDpi xmlns:a14="http://schemas.microsoft.com/office/drawing/2010/main" val="0"/>
+              </a:ext>
+            </a:extLst>
+          </a:blip>
+          <a:stretch>
+            <a:fillRect/>
+          </a:stretch>
+        </p:blipFill>
+        <p:spPr>
+          <a:xfrm>
+            <a:off x="2634493" y="4488430"/>
+            <a:ext cx="6932070" cy="2320535"/>
+          </a:xfrm>
+          <a:prstGeom prst="rect">
+            <a:avLst/>
+          </a:prstGeom>
+        </p:spPr>
+      </p:pic>
     </p:spTree>
     <p:extLst>
       <p:ext uri="{BB962C8B-B14F-4D97-AF65-F5344CB8AC3E}">
-        <p14:creationId xmlns:p14="http://schemas.microsoft.com/office/powerpoint/2010/main" val="393997522"/>
+        <p14:creationId xmlns:p14="http://schemas.microsoft.com/office/powerpoint/2010/main" val="48236777"/>
       </p:ext>
     </p:extLst>
   </p:cSld>
@@ -12385,7 +12432,7 @@
             <a:pPr algn="ctr"/>
             <a:r>
               <a:rPr lang="no-NO" sz="3600" dirty="0"/>
-              <a:t>2 - Short long term (0 – 9 mnd)</a:t>
+              <a:t>1.2 - Orchestration</a:t>
             </a:r>
             <a:endParaRPr lang="nb-NO" dirty="0"/>
           </a:p>
@@ -12417,54 +12464,7 @@
           <a:bodyPr anchor="t"/>
           <a:lstStyle/>
           <a:p>
-            <a:pPr marL="122" indent="0">
-              <a:buNone/>
-            </a:pPr>
-            <a:endParaRPr lang="en-US" sz="2000" dirty="0"/>
-          </a:p>
-          <a:p>
-            <a:pPr marL="457322" indent="-457200">
-              <a:buFont typeface="+mj-lt"/>
-              <a:buAutoNum type="arabicPeriod"/>
-            </a:pPr>
-            <a:endParaRPr lang="en-US" sz="2000" dirty="0"/>
-          </a:p>
-          <a:p>
-            <a:r>
-              <a:rPr lang="no-NO" sz="2000" dirty="0"/>
-              <a:t>Skifte ut EoL-hardware</a:t>
-            </a:r>
-          </a:p>
-          <a:p>
             <a:endParaRPr lang="no-NO" sz="2000" dirty="0"/>
-          </a:p>
-          <a:p>
-            <a:r>
-              <a:rPr lang="no-NO" sz="2000" dirty="0"/>
-              <a:t>Etablere</a:t>
-            </a:r>
-          </a:p>
-          <a:p>
-            <a:pPr lvl="1"/>
-            <a:r>
-              <a:rPr lang="no-NO" sz="1800" dirty="0"/>
-              <a:t>Design</a:t>
-            </a:r>
-          </a:p>
-          <a:p>
-            <a:pPr lvl="1"/>
-            <a:r>
-              <a:rPr lang="no-NO" sz="1800" dirty="0"/>
-              <a:t>Dokumentasjon</a:t>
-            </a:r>
-          </a:p>
-          <a:p>
-            <a:pPr lvl="1"/>
-            <a:r>
-              <a:rPr lang="no-NO" sz="1800" dirty="0"/>
-              <a:t>Governance</a:t>
-            </a:r>
-            <a:endParaRPr lang="en-US" sz="1800" dirty="0"/>
           </a:p>
           <a:p>
             <a:endParaRPr lang="en-US" sz="2000" dirty="0"/>
@@ -12496,10 +12496,47 @@
           </a:p>
         </p:txBody>
       </p:sp>
+      <p:pic>
+        <p:nvPicPr>
+          <p:cNvPr id="5" name="Bilde 9" descr="Diagram&#10;&#10;Description automatically generated with medium confidence">
+            <a:extLst>
+              <a:ext uri="{FF2B5EF4-FFF2-40B4-BE49-F238E27FC236}">
+                <a16:creationId xmlns:a16="http://schemas.microsoft.com/office/drawing/2014/main" id="{F91469A2-C216-4027-861B-962AC3BA4F4D}"/>
+              </a:ext>
+            </a:extLst>
+          </p:cNvPr>
+          <p:cNvPicPr/>
+          <p:nvPr/>
+        </p:nvPicPr>
+        <p:blipFill>
+          <a:blip r:embed="rId2">
+            <a:extLst>
+              <a:ext uri="{28A0092B-C50C-407E-A947-70E740481C1C}">
+                <a14:useLocalDpi xmlns:a14="http://schemas.microsoft.com/office/drawing/2010/main" val="0"/>
+              </a:ext>
+            </a:extLst>
+          </a:blip>
+          <a:stretch>
+            <a:fillRect/>
+          </a:stretch>
+        </p:blipFill>
+        <p:spPr>
+          <a:xfrm>
+            <a:off x="997527" y="954903"/>
+            <a:ext cx="10480964" cy="5086017"/>
+          </a:xfrm>
+          <a:prstGeom prst="rect">
+            <a:avLst/>
+          </a:prstGeom>
+          <a:ln w="31750">
+            <a:noFill/>
+          </a:ln>
+        </p:spPr>
+      </p:pic>
     </p:spTree>
     <p:extLst>
       <p:ext uri="{BB962C8B-B14F-4D97-AF65-F5344CB8AC3E}">
-        <p14:creationId xmlns:p14="http://schemas.microsoft.com/office/powerpoint/2010/main" val="48236777"/>
+        <p14:creationId xmlns:p14="http://schemas.microsoft.com/office/powerpoint/2010/main" val="3276550421"/>
       </p:ext>
     </p:extLst>
   </p:cSld>
@@ -12550,7 +12587,7 @@
             <a:pPr algn="ctr"/>
             <a:r>
               <a:rPr lang="no-NO" sz="3600" dirty="0"/>
-              <a:t>3 - Long term (0 – 24 mnd)</a:t>
+              <a:t>2 – Analytics</a:t>
             </a:r>
             <a:endParaRPr lang="nb-NO" dirty="0"/>
           </a:p>
@@ -12582,105 +12619,17 @@
           <a:bodyPr anchor="t"/>
           <a:lstStyle/>
           <a:p>
-            <a:endParaRPr lang="no-NO" sz="2000"/>
-          </a:p>
-          <a:p>
-            <a:r>
-              <a:rPr lang="no-NO" sz="2000" dirty="0"/>
-              <a:t>Assess</a:t>
-            </a:r>
-          </a:p>
-          <a:p>
-            <a:pPr lvl="1"/>
-            <a:r>
-              <a:rPr lang="no-NO" sz="1800" dirty="0"/>
-              <a:t>As is</a:t>
-            </a:r>
-          </a:p>
-          <a:p>
-            <a:pPr lvl="1"/>
-            <a:r>
-              <a:rPr lang="no-NO" sz="1800" dirty="0"/>
-              <a:t>Hva finnes i byene rundt om</a:t>
-            </a:r>
-          </a:p>
-          <a:p>
-            <a:pPr lvl="1"/>
-            <a:r>
-              <a:rPr lang="no-NO" sz="1800" dirty="0"/>
-              <a:t>Hva skal være hvor</a:t>
-            </a:r>
-          </a:p>
-          <a:p>
-            <a:pPr lvl="1"/>
-            <a:r>
-              <a:rPr lang="no-NO" sz="1800" dirty="0"/>
-              <a:t>Hvem er ansvarlig for hva</a:t>
-            </a:r>
-          </a:p>
-          <a:p>
-            <a:endParaRPr lang="no-NO" sz="2000" dirty="0"/>
-          </a:p>
-          <a:p>
-            <a:r>
-              <a:rPr lang="no-NO" sz="2000" dirty="0"/>
-              <a:t>Samle </a:t>
-            </a:r>
-            <a:r>
-              <a:rPr lang="no-NO" sz="1800" dirty="0"/>
-              <a:t>fagmiljøene</a:t>
-            </a:r>
-          </a:p>
-          <a:p>
-            <a:endParaRPr lang="no-NO" sz="2000" dirty="0"/>
-          </a:p>
-          <a:p>
-            <a:r>
-              <a:rPr lang="no-NO" sz="2000" dirty="0"/>
-              <a:t>Bygge</a:t>
-            </a:r>
-          </a:p>
-          <a:p>
-            <a:pPr lvl="1"/>
-            <a:r>
-              <a:rPr lang="no-NO" sz="1800" dirty="0"/>
-              <a:t>«Shared Services layer» (NTP, DHCP, DNS, PKI, etc)</a:t>
-            </a:r>
-          </a:p>
-          <a:p>
-            <a:pPr lvl="2"/>
-            <a:r>
-              <a:rPr lang="no-NO" sz="1600" dirty="0"/>
-              <a:t>Integrert/Automatisert</a:t>
-            </a:r>
-          </a:p>
-          <a:p>
-            <a:pPr lvl="1"/>
-            <a:r>
-              <a:rPr lang="no-NO" sz="1800" dirty="0"/>
-              <a:t>POD’er for: PoV, PoC, Workshops, Training, labbing, etc</a:t>
-            </a:r>
-          </a:p>
-          <a:p>
-            <a:pPr lvl="2"/>
-            <a:r>
-              <a:rPr lang="no-NO" sz="1600" dirty="0"/>
-              <a:t>Rammeverk for innføring/bruk</a:t>
-            </a:r>
-          </a:p>
-          <a:p>
-            <a:pPr lvl="2"/>
-            <a:r>
-              <a:rPr lang="no-NO" sz="1600" dirty="0"/>
-              <a:t>Automatisert</a:t>
-            </a:r>
-          </a:p>
-          <a:p>
-            <a:pPr lvl="1"/>
-            <a:r>
-              <a:rPr lang="no-NO" sz="1600" dirty="0"/>
-              <a:t>Selvbetjeningsportal / Bookingportal</a:t>
-            </a:r>
+            <a:pPr marL="122" indent="0">
+              <a:buNone/>
+            </a:pPr>
+            <a:endParaRPr lang="en-US" sz="2000" dirty="0"/>
+          </a:p>
+          <a:p>
+            <a:pPr marL="457322" indent="-457200">
+              <a:buFont typeface="+mj-lt"/>
+              <a:buAutoNum type="arabicPeriod"/>
+            </a:pPr>
+            <a:endParaRPr lang="en-US" sz="2000" dirty="0"/>
           </a:p>
           <a:p>
             <a:endParaRPr lang="en-US" sz="2000" dirty="0"/>
@@ -12712,10 +12661,44 @@
           </a:p>
         </p:txBody>
       </p:sp>
+      <p:pic>
+        <p:nvPicPr>
+          <p:cNvPr id="5" name="Picture 4">
+            <a:extLst>
+              <a:ext uri="{FF2B5EF4-FFF2-40B4-BE49-F238E27FC236}">
+                <a16:creationId xmlns:a16="http://schemas.microsoft.com/office/drawing/2014/main" id="{74276DD0-C82F-472D-A6D5-C30A2FD6C69C}"/>
+              </a:ext>
+            </a:extLst>
+          </p:cNvPr>
+          <p:cNvPicPr/>
+          <p:nvPr/>
+        </p:nvPicPr>
+        <p:blipFill>
+          <a:blip r:embed="rId2">
+            <a:extLst>
+              <a:ext uri="{28A0092B-C50C-407E-A947-70E740481C1C}">
+                <a14:useLocalDpi xmlns:a14="http://schemas.microsoft.com/office/drawing/2010/main" val="0"/>
+              </a:ext>
+            </a:extLst>
+          </a:blip>
+          <a:stretch>
+            <a:fillRect/>
+          </a:stretch>
+        </p:blipFill>
+        <p:spPr>
+          <a:xfrm>
+            <a:off x="1385248" y="894333"/>
+            <a:ext cx="9323338" cy="5194740"/>
+          </a:xfrm>
+          <a:prstGeom prst="rect">
+            <a:avLst/>
+          </a:prstGeom>
+        </p:spPr>
+      </p:pic>
     </p:spTree>
     <p:extLst>
       <p:ext uri="{BB962C8B-B14F-4D97-AF65-F5344CB8AC3E}">
-        <p14:creationId xmlns:p14="http://schemas.microsoft.com/office/powerpoint/2010/main" val="3276550421"/>
+        <p14:creationId xmlns:p14="http://schemas.microsoft.com/office/powerpoint/2010/main" val="393997522"/>
       </p:ext>
     </p:extLst>
   </p:cSld>
@@ -12766,7 +12749,7 @@
             <a:pPr algn="ctr"/>
             <a:r>
               <a:rPr lang="no-NO" sz="3600" dirty="0"/>
-              <a:t>Regelmessig møter</a:t>
+              <a:t>3 – SD-WAN vs other WAN options?</a:t>
             </a:r>
             <a:endParaRPr lang="nb-NO" dirty="0"/>
           </a:p>
@@ -12812,8 +12795,30 @@
           </a:p>
           <a:p>
             <a:r>
-              <a:rPr lang="no-NO" sz="2000"/>
-              <a:t>Korte (30-45 min) info/diskusjons-møter</a:t>
+              <a:rPr lang="no-NO" sz="2000" dirty="0"/>
+              <a:t>Router / Firewall based static IPSec VPN</a:t>
+            </a:r>
+          </a:p>
+          <a:p>
+            <a:endParaRPr lang="no-NO" sz="2000" dirty="0"/>
+          </a:p>
+          <a:p>
+            <a:r>
+              <a:rPr lang="no-NO" sz="1800" dirty="0"/>
+              <a:t>DMVPN Phase 3</a:t>
+            </a:r>
+          </a:p>
+          <a:p>
+            <a:endParaRPr lang="no-NO" sz="1800" dirty="0"/>
+          </a:p>
+          <a:p>
+            <a:r>
+              <a:rPr lang="no-NO" sz="1800" dirty="0"/>
+              <a:t>Cisco Prime, APIC-EM, FMC</a:t>
+            </a:r>
+            <a:r>
+              <a:rPr lang="no-NO" sz="1800"/>
+              <a:t>, CSM... </a:t>
             </a:r>
             <a:endParaRPr lang="en-US" sz="1800" dirty="0"/>
           </a:p>
@@ -13970,6 +13975,23 @@
 </file>
 
 <file path=customXml/item1.xml><?xml version="1.0" encoding="utf-8"?>
+<p:properties xmlns:p="http://schemas.microsoft.com/office/2006/metadata/properties" xmlns:xsi="http://www.w3.org/2001/XMLSchema-instance" xmlns:pc="http://schemas.microsoft.com/office/infopath/2007/PartnerControls">
+  <documentManagement>
+    <arDocumentType xmlns="62b5b812-113d-4ff2-8b14-f86608aed96b">Documentation</arDocumentType>
+  </documentManagement>
+</p:properties>
+</file>
+
+<file path=customXml/item2.xml><?xml version="1.0" encoding="utf-8"?>
+<?mso-contentType ?>
+<FormTemplates xmlns="http://schemas.microsoft.com/sharepoint/v3/contenttype/forms">
+  <Display>DocumentLibraryForm</Display>
+  <Edit>DocumentLibraryForm</Edit>
+  <New>DocumentLibraryForm</New>
+</FormTemplates>
+</file>
+
+<file path=customXml/item3.xml><?xml version="1.0" encoding="utf-8"?>
 <ct:contentTypeSchema xmlns:ct="http://schemas.microsoft.com/office/2006/metadata/contentType" xmlns:ma="http://schemas.microsoft.com/office/2006/metadata/properties/metaAttributes" ct:_="" ma:_="" ma:contentTypeName="Document" ma:contentTypeID="0x010100F9D6E70A7761D14196DA26F4523DEE99" ma:contentTypeVersion="7" ma:contentTypeDescription="Create a new document." ma:contentTypeScope="" ma:versionID="03d7bc432b7f5205a77c3cbb62778e56">
   <xsd:schema xmlns:xsd="http://www.w3.org/2001/XMLSchema" xmlns:xs="http://www.w3.org/2001/XMLSchema" xmlns:p="http://schemas.microsoft.com/office/2006/metadata/properties" xmlns:ns2="62b5b812-113d-4ff2-8b14-f86608aed96b" xmlns:ns3="61a25f54-02d4-4ed8-bf25-02d338318ebf" targetNamespace="http://schemas.microsoft.com/office/2006/metadata/properties" ma:root="true" ma:fieldsID="58c67a4f19fb962da411f8881a437cf0" ns2:_="" ns3:_="">
     <xsd:import namespace="62b5b812-113d-4ff2-8b14-f86608aed96b"/>
@@ -14164,24 +14186,32 @@
 </ct:contentTypeSchema>
 </file>
 
-<file path=customXml/item2.xml><?xml version="1.0" encoding="utf-8"?>
-<?mso-contentType ?>
-<FormTemplates xmlns="http://schemas.microsoft.com/sharepoint/v3/contenttype/forms">
-  <Display>DocumentLibraryForm</Display>
-  <Edit>DocumentLibraryForm</Edit>
-  <New>DocumentLibraryForm</New>
-</FormTemplates>
+<file path=customXml/itemProps1.xml><?xml version="1.0" encoding="utf-8"?>
+<ds:datastoreItem xmlns:ds="http://schemas.openxmlformats.org/officeDocument/2006/customXml" ds:itemID="{393631F0-3B1B-4765-BB57-EA82E143B3A1}">
+  <ds:schemaRefs>
+    <ds:schemaRef ds:uri="http://schemas.openxmlformats.org/package/2006/metadata/core-properties"/>
+    <ds:schemaRef ds:uri="http://schemas.microsoft.com/office/2006/metadata/properties"/>
+    <ds:schemaRef ds:uri="http://schemas.microsoft.com/office/infopath/2007/PartnerControls"/>
+    <ds:schemaRef ds:uri="61a25f54-02d4-4ed8-bf25-02d338318ebf"/>
+    <ds:schemaRef ds:uri="http://www.w3.org/XML/1998/namespace"/>
+    <ds:schemaRef ds:uri="http://purl.org/dc/terms/"/>
+    <ds:schemaRef ds:uri="http://schemas.microsoft.com/office/2006/documentManagement/types"/>
+    <ds:schemaRef ds:uri="http://purl.org/dc/dcmitype/"/>
+    <ds:schemaRef ds:uri="62b5b812-113d-4ff2-8b14-f86608aed96b"/>
+    <ds:schemaRef ds:uri="http://purl.org/dc/elements/1.1/"/>
+  </ds:schemaRefs>
+</ds:datastoreItem>
 </file>
 
-<file path=customXml/item3.xml><?xml version="1.0" encoding="utf-8"?>
-<p:properties xmlns:p="http://schemas.microsoft.com/office/2006/metadata/properties" xmlns:xsi="http://www.w3.org/2001/XMLSchema-instance" xmlns:pc="http://schemas.microsoft.com/office/infopath/2007/PartnerControls">
-  <documentManagement>
-    <arDocumentType xmlns="62b5b812-113d-4ff2-8b14-f86608aed96b">Documentation</arDocumentType>
-  </documentManagement>
-</p:properties>
+<file path=customXml/itemProps2.xml><?xml version="1.0" encoding="utf-8"?>
+<ds:datastoreItem xmlns:ds="http://schemas.openxmlformats.org/officeDocument/2006/customXml" ds:itemID="{FAFE0268-5015-4872-8328-FA4C373266B3}">
+  <ds:schemaRefs>
+    <ds:schemaRef ds:uri="http://schemas.microsoft.com/sharepoint/v3/contenttype/forms"/>
+  </ds:schemaRefs>
+</ds:datastoreItem>
 </file>
 
-<file path=customXml/itemProps1.xml><?xml version="1.0" encoding="utf-8"?>
+<file path=customXml/itemProps3.xml><?xml version="1.0" encoding="utf-8"?>
 <ds:datastoreItem xmlns:ds="http://schemas.openxmlformats.org/officeDocument/2006/customXml" ds:itemID="{88E25182-9679-47CF-87AA-9D896B17B3A2}">
   <ds:schemaRefs>
     <ds:schemaRef ds:uri="http://schemas.microsoft.com/office/2006/metadata/contentType"/>
@@ -14198,29 +14228,4 @@
     <ds:schemaRef ds:uri="http://schemas.microsoft.com/internal/obd"/>
   </ds:schemaRefs>
 </ds:datastoreItem>
-</file>
-
-<file path=customXml/itemProps2.xml><?xml version="1.0" encoding="utf-8"?>
-<ds:datastoreItem xmlns:ds="http://schemas.openxmlformats.org/officeDocument/2006/customXml" ds:itemID="{FAFE0268-5015-4872-8328-FA4C373266B3}">
-  <ds:schemaRefs>
-    <ds:schemaRef ds:uri="http://schemas.microsoft.com/sharepoint/v3/contenttype/forms"/>
-  </ds:schemaRefs>
-</ds:datastoreItem>
-</file>
-
-<file path=customXml/itemProps3.xml><?xml version="1.0" encoding="utf-8"?>
-<ds:datastoreItem xmlns:ds="http://schemas.openxmlformats.org/officeDocument/2006/customXml" ds:itemID="{393631F0-3B1B-4765-BB57-EA82E143B3A1}">
-  <ds:schemaRefs>
-    <ds:schemaRef ds:uri="http://schemas.openxmlformats.org/package/2006/metadata/core-properties"/>
-    <ds:schemaRef ds:uri="http://schemas.microsoft.com/office/2006/metadata/properties"/>
-    <ds:schemaRef ds:uri="http://schemas.microsoft.com/office/infopath/2007/PartnerControls"/>
-    <ds:schemaRef ds:uri="61a25f54-02d4-4ed8-bf25-02d338318ebf"/>
-    <ds:schemaRef ds:uri="http://www.w3.org/XML/1998/namespace"/>
-    <ds:schemaRef ds:uri="http://purl.org/dc/terms/"/>
-    <ds:schemaRef ds:uri="http://schemas.microsoft.com/office/2006/documentManagement/types"/>
-    <ds:schemaRef ds:uri="http://purl.org/dc/dcmitype/"/>
-    <ds:schemaRef ds:uri="62b5b812-113d-4ff2-8b14-f86608aed96b"/>
-    <ds:schemaRef ds:uri="http://purl.org/dc/elements/1.1/"/>
-  </ds:schemaRefs>
-</ds:datastoreItem>
 </file>